--- a/Präsentationen/CSS.pptx
+++ b/Präsentationen/CSS.pptx
@@ -4492,33 +4492,35 @@
             </a:pPr>
             <a:r>
               <a:rPr lang="de-CH" dirty="0"/>
-              <a:t>Erlaubt die Selektierung ALLER HTML Elemente eines bestimmten Tags.</a:t>
-            </a:r>
+              <a:t>Erlaubt die Selektierung ALLER HTML Elemente eines bestimmten Tags</a:t>
+            </a:r>
+            <a:r>
+              <a:rPr lang="de-CH" dirty="0" smtClean="0"/>
+              <a:t>.</a:t>
+            </a:r>
+            <a:endParaRPr lang="de-CH" dirty="0"/>
           </a:p>
           <a:p>
             <a:pPr marL="0" indent="0">
               <a:buNone/>
             </a:pPr>
             <a:r>
-              <a:rPr lang="de-CH" dirty="0"/>
-              <a:t> </a:t>
+              <a:rPr lang="de-CH" dirty="0" smtClean="0"/>
+              <a:t>Der </a:t>
+            </a:r>
+            <a:r>
+              <a:rPr lang="de-CH" dirty="0" smtClean="0"/>
+              <a:t>Code</a:t>
             </a:r>
           </a:p>
           <a:p>
             <a:pPr marL="0" indent="0">
               <a:buNone/>
             </a:pPr>
-            <a:r>
-              <a:rPr lang="de-CH" dirty="0" smtClean="0"/>
-              <a:t>Der Code</a:t>
-            </a:r>
-            <a:br>
-              <a:rPr lang="de-CH" dirty="0" smtClean="0"/>
-            </a:br>
             <a:endParaRPr lang="de-CH" dirty="0" smtClean="0"/>
           </a:p>
           <a:p>
-            <a:pPr marL="0" indent="0">
+            <a:pPr marL="0" indent="0" algn="ctr">
               <a:buNone/>
             </a:pPr>
             <a:r>
@@ -4719,9 +4721,195 @@
   <p:timing>
     <p:tnLst>
       <p:par>
-        <p:cTn id="1" dur="indefinite" restart="never" nodeType="tmRoot"/>
+        <p:cTn id="1" dur="indefinite" restart="never" nodeType="tmRoot">
+          <p:childTnLst>
+            <p:seq concurrent="1" nextAc="seek">
+              <p:cTn id="2" dur="indefinite" nodeType="mainSeq">
+                <p:childTnLst>
+                  <p:par>
+                    <p:cTn id="3" fill="hold">
+                      <p:stCondLst>
+                        <p:cond delay="indefinite"/>
+                      </p:stCondLst>
+                      <p:childTnLst>
+                        <p:par>
+                          <p:cTn id="4" fill="hold">
+                            <p:stCondLst>
+                              <p:cond delay="0"/>
+                            </p:stCondLst>
+                            <p:childTnLst>
+                              <p:par>
+                                <p:cTn id="5" presetID="1" presetClass="entr" presetSubtype="0" fill="hold" grpId="0" nodeType="clickEffect">
+                                  <p:stCondLst>
+                                    <p:cond delay="0"/>
+                                  </p:stCondLst>
+                                  <p:childTnLst>
+                                    <p:set>
+                                      <p:cBhvr>
+                                        <p:cTn id="6" dur="1" fill="hold">
+                                          <p:stCondLst>
+                                            <p:cond delay="0"/>
+                                          </p:stCondLst>
+                                        </p:cTn>
+                                        <p:tgtEl>
+                                          <p:spTgt spid="3">
+                                            <p:txEl>
+                                              <p:pRg st="0" end="0"/>
+                                            </p:txEl>
+                                          </p:spTgt>
+                                        </p:tgtEl>
+                                        <p:attrNameLst>
+                                          <p:attrName>style.visibility</p:attrName>
+                                        </p:attrNameLst>
+                                      </p:cBhvr>
+                                      <p:to>
+                                        <p:strVal val="visible"/>
+                                      </p:to>
+                                    </p:set>
+                                  </p:childTnLst>
+                                </p:cTn>
+                              </p:par>
+                            </p:childTnLst>
+                          </p:cTn>
+                        </p:par>
+                      </p:childTnLst>
+                    </p:cTn>
+                  </p:par>
+                  <p:par>
+                    <p:cTn id="7" fill="hold">
+                      <p:stCondLst>
+                        <p:cond delay="indefinite"/>
+                      </p:stCondLst>
+                      <p:childTnLst>
+                        <p:par>
+                          <p:cTn id="8" fill="hold">
+                            <p:stCondLst>
+                              <p:cond delay="0"/>
+                            </p:stCondLst>
+                            <p:childTnLst>
+                              <p:par>
+                                <p:cTn id="9" presetID="1" presetClass="entr" presetSubtype="0" fill="hold" grpId="0" nodeType="clickEffect">
+                                  <p:stCondLst>
+                                    <p:cond delay="0"/>
+                                  </p:stCondLst>
+                                  <p:childTnLst>
+                                    <p:set>
+                                      <p:cBhvr>
+                                        <p:cTn id="10" dur="1" fill="hold">
+                                          <p:stCondLst>
+                                            <p:cond delay="0"/>
+                                          </p:stCondLst>
+                                        </p:cTn>
+                                        <p:tgtEl>
+                                          <p:spTgt spid="3">
+                                            <p:txEl>
+                                              <p:pRg st="1" end="1"/>
+                                            </p:txEl>
+                                          </p:spTgt>
+                                        </p:tgtEl>
+                                        <p:attrNameLst>
+                                          <p:attrName>style.visibility</p:attrName>
+                                        </p:attrNameLst>
+                                      </p:cBhvr>
+                                      <p:to>
+                                        <p:strVal val="visible"/>
+                                      </p:to>
+                                    </p:set>
+                                  </p:childTnLst>
+                                </p:cTn>
+                              </p:par>
+                              <p:par>
+                                <p:cTn id="11" presetID="1" presetClass="entr" presetSubtype="0" fill="hold" grpId="0" nodeType="withEffect">
+                                  <p:stCondLst>
+                                    <p:cond delay="0"/>
+                                  </p:stCondLst>
+                                  <p:childTnLst>
+                                    <p:set>
+                                      <p:cBhvr>
+                                        <p:cTn id="12" dur="1" fill="hold">
+                                          <p:stCondLst>
+                                            <p:cond delay="0"/>
+                                          </p:stCondLst>
+                                        </p:cTn>
+                                        <p:tgtEl>
+                                          <p:spTgt spid="3">
+                                            <p:txEl>
+                                              <p:pRg st="3" end="3"/>
+                                            </p:txEl>
+                                          </p:spTgt>
+                                        </p:tgtEl>
+                                        <p:attrNameLst>
+                                          <p:attrName>style.visibility</p:attrName>
+                                        </p:attrNameLst>
+                                      </p:cBhvr>
+                                      <p:to>
+                                        <p:strVal val="visible"/>
+                                      </p:to>
+                                    </p:set>
+                                  </p:childTnLst>
+                                </p:cTn>
+                              </p:par>
+                              <p:par>
+                                <p:cTn id="13" presetID="1" presetClass="entr" presetSubtype="0" fill="hold" grpId="0" nodeType="withEffect">
+                                  <p:stCondLst>
+                                    <p:cond delay="0"/>
+                                  </p:stCondLst>
+                                  <p:childTnLst>
+                                    <p:set>
+                                      <p:cBhvr>
+                                        <p:cTn id="14" dur="1" fill="hold">
+                                          <p:stCondLst>
+                                            <p:cond delay="0"/>
+                                          </p:stCondLst>
+                                        </p:cTn>
+                                        <p:tgtEl>
+                                          <p:spTgt spid="3">
+                                            <p:txEl>
+                                              <p:pRg st="5" end="5"/>
+                                            </p:txEl>
+                                          </p:spTgt>
+                                        </p:tgtEl>
+                                        <p:attrNameLst>
+                                          <p:attrName>style.visibility</p:attrName>
+                                        </p:attrNameLst>
+                                      </p:cBhvr>
+                                      <p:to>
+                                        <p:strVal val="visible"/>
+                                      </p:to>
+                                    </p:set>
+                                  </p:childTnLst>
+                                </p:cTn>
+                              </p:par>
+                            </p:childTnLst>
+                          </p:cTn>
+                        </p:par>
+                      </p:childTnLst>
+                    </p:cTn>
+                  </p:par>
+                </p:childTnLst>
+              </p:cTn>
+              <p:prevCondLst>
+                <p:cond evt="onPrev" delay="0">
+                  <p:tgtEl>
+                    <p:sldTgt/>
+                  </p:tgtEl>
+                </p:cond>
+              </p:prevCondLst>
+              <p:nextCondLst>
+                <p:cond evt="onNext" delay="0">
+                  <p:tgtEl>
+                    <p:sldTgt/>
+                  </p:tgtEl>
+                </p:cond>
+              </p:nextCondLst>
+            </p:seq>
+          </p:childTnLst>
+        </p:cTn>
       </p:par>
     </p:tnLst>
+    <p:bldLst>
+      <p:bldP spid="3" grpId="0" uiExpand="1" build="p"/>
+    </p:bldLst>
   </p:timing>
 </p:sld>
 </file>
@@ -6157,7 +6345,7 @@
         </p:nvSpPr>
         <p:spPr>
           <a:xfrm>
-            <a:off x="1159934" y="3158505"/>
+            <a:off x="1227667" y="2822222"/>
             <a:ext cx="3860800" cy="3539430"/>
           </a:xfrm>
           <a:prstGeom prst="rect">
@@ -6751,7 +6939,7 @@
         </p:nvSpPr>
         <p:spPr>
           <a:xfrm>
-            <a:off x="6615288" y="4389611"/>
+            <a:off x="6615288" y="4050943"/>
             <a:ext cx="6096000" cy="1077218"/>
           </a:xfrm>
           <a:prstGeom prst="rect">
@@ -7023,9 +7211,9 @@
           <p:nvPr/>
         </p:nvCxnSpPr>
         <p:spPr>
-          <a:xfrm>
-            <a:off x="5020734" y="4928220"/>
-            <a:ext cx="1594554" cy="0"/>
+          <a:xfrm flipV="1">
+            <a:off x="5088467" y="4589552"/>
+            <a:ext cx="1526821" cy="2385"/>
           </a:xfrm>
           <a:prstGeom prst="straightConnector1">
             <a:avLst/>
@@ -7057,7 +7245,7 @@
         </p:nvSpPr>
         <p:spPr>
           <a:xfrm rot="19747284">
-            <a:off x="7145868" y="3281984"/>
+            <a:off x="7097325" y="765090"/>
             <a:ext cx="4109155" cy="2308324"/>
           </a:xfrm>
           <a:prstGeom prst="rect">
@@ -7066,13 +7254,13 @@
         </p:spPr>
         <p:style>
           <a:lnRef idx="0">
-            <a:schemeClr val="accent3"/>
+            <a:schemeClr val="accent5"/>
           </a:lnRef>
           <a:fillRef idx="3">
-            <a:schemeClr val="accent3"/>
+            <a:schemeClr val="accent5"/>
           </a:fillRef>
           <a:effectRef idx="3">
-            <a:schemeClr val="accent3"/>
+            <a:schemeClr val="accent5"/>
           </a:effectRef>
           <a:fontRef idx="minor">
             <a:schemeClr val="lt1"/>
@@ -7356,9 +7544,245 @@
   <p:timing>
     <p:tnLst>
       <p:par>
-        <p:cTn id="1" dur="indefinite" restart="never" nodeType="tmRoot"/>
+        <p:cTn id="1" dur="indefinite" restart="never" nodeType="tmRoot">
+          <p:childTnLst>
+            <p:seq concurrent="1" nextAc="seek">
+              <p:cTn id="2" dur="indefinite" nodeType="mainSeq">
+                <p:childTnLst>
+                  <p:par>
+                    <p:cTn id="3" fill="hold">
+                      <p:stCondLst>
+                        <p:cond delay="indefinite"/>
+                      </p:stCondLst>
+                      <p:childTnLst>
+                        <p:par>
+                          <p:cTn id="4" fill="hold">
+                            <p:stCondLst>
+                              <p:cond delay="0"/>
+                            </p:stCondLst>
+                            <p:childTnLst>
+                              <p:par>
+                                <p:cTn id="5" presetID="1" presetClass="entr" presetSubtype="0" fill="hold" grpId="0" nodeType="clickEffect">
+                                  <p:stCondLst>
+                                    <p:cond delay="0"/>
+                                  </p:stCondLst>
+                                  <p:childTnLst>
+                                    <p:set>
+                                      <p:cBhvr>
+                                        <p:cTn id="6" dur="1" fill="hold">
+                                          <p:stCondLst>
+                                            <p:cond delay="0"/>
+                                          </p:stCondLst>
+                                        </p:cTn>
+                                        <p:tgtEl>
+                                          <p:spTgt spid="4"/>
+                                        </p:tgtEl>
+                                        <p:attrNameLst>
+                                          <p:attrName>style.visibility</p:attrName>
+                                        </p:attrNameLst>
+                                      </p:cBhvr>
+                                      <p:to>
+                                        <p:strVal val="visible"/>
+                                      </p:to>
+                                    </p:set>
+                                  </p:childTnLst>
+                                </p:cTn>
+                              </p:par>
+                            </p:childTnLst>
+                          </p:cTn>
+                        </p:par>
+                      </p:childTnLst>
+                    </p:cTn>
+                  </p:par>
+                  <p:par>
+                    <p:cTn id="7" fill="hold">
+                      <p:stCondLst>
+                        <p:cond delay="indefinite"/>
+                      </p:stCondLst>
+                      <p:childTnLst>
+                        <p:par>
+                          <p:cTn id="8" fill="hold">
+                            <p:stCondLst>
+                              <p:cond delay="0"/>
+                            </p:stCondLst>
+                            <p:childTnLst>
+                              <p:par>
+                                <p:cTn id="9" presetID="1" presetClass="entr" presetSubtype="0" fill="hold" nodeType="clickEffect">
+                                  <p:stCondLst>
+                                    <p:cond delay="0"/>
+                                  </p:stCondLst>
+                                  <p:childTnLst>
+                                    <p:set>
+                                      <p:cBhvr>
+                                        <p:cTn id="10" dur="1" fill="hold">
+                                          <p:stCondLst>
+                                            <p:cond delay="0"/>
+                                          </p:stCondLst>
+                                        </p:cTn>
+                                        <p:tgtEl>
+                                          <p:spTgt spid="7"/>
+                                        </p:tgtEl>
+                                        <p:attrNameLst>
+                                          <p:attrName>style.visibility</p:attrName>
+                                        </p:attrNameLst>
+                                      </p:cBhvr>
+                                      <p:to>
+                                        <p:strVal val="visible"/>
+                                      </p:to>
+                                    </p:set>
+                                  </p:childTnLst>
+                                </p:cTn>
+                              </p:par>
+                              <p:par>
+                                <p:cTn id="11" presetID="1" presetClass="entr" presetSubtype="0" fill="hold" grpId="0" nodeType="withEffect">
+                                  <p:stCondLst>
+                                    <p:cond delay="0"/>
+                                  </p:stCondLst>
+                                  <p:childTnLst>
+                                    <p:set>
+                                      <p:cBhvr>
+                                        <p:cTn id="12" dur="1" fill="hold">
+                                          <p:stCondLst>
+                                            <p:cond delay="0"/>
+                                          </p:stCondLst>
+                                        </p:cTn>
+                                        <p:tgtEl>
+                                          <p:spTgt spid="5"/>
+                                        </p:tgtEl>
+                                        <p:attrNameLst>
+                                          <p:attrName>style.visibility</p:attrName>
+                                        </p:attrNameLst>
+                                      </p:cBhvr>
+                                      <p:to>
+                                        <p:strVal val="visible"/>
+                                      </p:to>
+                                    </p:set>
+                                  </p:childTnLst>
+                                </p:cTn>
+                              </p:par>
+                            </p:childTnLst>
+                          </p:cTn>
+                        </p:par>
+                      </p:childTnLst>
+                    </p:cTn>
+                  </p:par>
+                  <p:par>
+                    <p:cTn id="13" fill="hold">
+                      <p:stCondLst>
+                        <p:cond delay="indefinite"/>
+                      </p:stCondLst>
+                      <p:childTnLst>
+                        <p:par>
+                          <p:cTn id="14" fill="hold">
+                            <p:stCondLst>
+                              <p:cond delay="0"/>
+                            </p:stCondLst>
+                            <p:childTnLst>
+                              <p:par>
+                                <p:cTn id="15" presetID="2" presetClass="entr" presetSubtype="4" fill="hold" grpId="0" nodeType="clickEffect">
+                                  <p:stCondLst>
+                                    <p:cond delay="0"/>
+                                  </p:stCondLst>
+                                  <p:childTnLst>
+                                    <p:set>
+                                      <p:cBhvr>
+                                        <p:cTn id="16" dur="1" fill="hold">
+                                          <p:stCondLst>
+                                            <p:cond delay="0"/>
+                                          </p:stCondLst>
+                                        </p:cTn>
+                                        <p:tgtEl>
+                                          <p:spTgt spid="8"/>
+                                        </p:tgtEl>
+                                        <p:attrNameLst>
+                                          <p:attrName>style.visibility</p:attrName>
+                                        </p:attrNameLst>
+                                      </p:cBhvr>
+                                      <p:to>
+                                        <p:strVal val="visible"/>
+                                      </p:to>
+                                    </p:set>
+                                    <p:anim calcmode="lin" valueType="num">
+                                      <p:cBhvr additive="base">
+                                        <p:cTn id="17" dur="500" fill="hold"/>
+                                        <p:tgtEl>
+                                          <p:spTgt spid="8"/>
+                                        </p:tgtEl>
+                                        <p:attrNameLst>
+                                          <p:attrName>ppt_x</p:attrName>
+                                        </p:attrNameLst>
+                                      </p:cBhvr>
+                                      <p:tavLst>
+                                        <p:tav tm="0">
+                                          <p:val>
+                                            <p:strVal val="#ppt_x"/>
+                                          </p:val>
+                                        </p:tav>
+                                        <p:tav tm="100000">
+                                          <p:val>
+                                            <p:strVal val="#ppt_x"/>
+                                          </p:val>
+                                        </p:tav>
+                                      </p:tavLst>
+                                    </p:anim>
+                                    <p:anim calcmode="lin" valueType="num">
+                                      <p:cBhvr additive="base">
+                                        <p:cTn id="18" dur="500" fill="hold"/>
+                                        <p:tgtEl>
+                                          <p:spTgt spid="8"/>
+                                        </p:tgtEl>
+                                        <p:attrNameLst>
+                                          <p:attrName>ppt_y</p:attrName>
+                                        </p:attrNameLst>
+                                      </p:cBhvr>
+                                      <p:tavLst>
+                                        <p:tav tm="0">
+                                          <p:val>
+                                            <p:strVal val="1+#ppt_h/2"/>
+                                          </p:val>
+                                        </p:tav>
+                                        <p:tav tm="100000">
+                                          <p:val>
+                                            <p:strVal val="#ppt_y"/>
+                                          </p:val>
+                                        </p:tav>
+                                      </p:tavLst>
+                                    </p:anim>
+                                  </p:childTnLst>
+                                </p:cTn>
+                              </p:par>
+                            </p:childTnLst>
+                          </p:cTn>
+                        </p:par>
+                      </p:childTnLst>
+                    </p:cTn>
+                  </p:par>
+                </p:childTnLst>
+              </p:cTn>
+              <p:prevCondLst>
+                <p:cond evt="onPrev" delay="0">
+                  <p:tgtEl>
+                    <p:sldTgt/>
+                  </p:tgtEl>
+                </p:cond>
+              </p:prevCondLst>
+              <p:nextCondLst>
+                <p:cond evt="onNext" delay="0">
+                  <p:tgtEl>
+                    <p:sldTgt/>
+                  </p:tgtEl>
+                </p:cond>
+              </p:nextCondLst>
+            </p:seq>
+          </p:childTnLst>
+        </p:cTn>
       </p:par>
     </p:tnLst>
+    <p:bldLst>
+      <p:bldP spid="4" grpId="0"/>
+      <p:bldP spid="5" grpId="0"/>
+      <p:bldP spid="8" grpId="0" animBg="1"/>
+    </p:bldLst>
   </p:timing>
 </p:sld>
 </file>
@@ -7415,7 +7839,7 @@
         </p:nvSpPr>
         <p:spPr>
           <a:xfrm>
-            <a:off x="838200" y="1780469"/>
+            <a:off x="838200" y="2073983"/>
             <a:ext cx="10515600" cy="680509"/>
           </a:xfrm>
         </p:spPr>
@@ -7450,8 +7874,8 @@
         </p:nvSpPr>
         <p:spPr>
           <a:xfrm>
-            <a:off x="2683933" y="4121835"/>
-            <a:ext cx="2497667" cy="1477328"/>
+            <a:off x="2164642" y="4116418"/>
+            <a:ext cx="5376335" cy="1754326"/>
           </a:xfrm>
           <a:prstGeom prst="rect">
             <a:avLst/>
@@ -7464,62 +7888,33 @@
           <a:lstStyle/>
           <a:p>
             <a:r>
-              <a:rPr lang="fr-FR" dirty="0">
+              <a:rPr lang="de-CH" dirty="0">
                 <a:solidFill>
                   <a:srgbClr val="0000FF"/>
                 </a:solidFill>
                 <a:latin typeface="Courier New" panose="02070309020205020404" pitchFamily="49" charset="0"/>
               </a:rPr>
-              <a:t>&lt;article</a:t>
-            </a:r>
-            <a:r>
-              <a:rPr lang="fr-FR" dirty="0" smtClean="0">
+              <a:t>&lt;</a:t>
+            </a:r>
+            <a:r>
+              <a:rPr lang="de-CH" dirty="0" err="1">
                 <a:solidFill>
                   <a:srgbClr val="0000FF"/>
                 </a:solidFill>
                 <a:latin typeface="Courier New" panose="02070309020205020404" pitchFamily="49" charset="0"/>
               </a:rPr>
+              <a:t>article</a:t>
+            </a:r>
+            <a:r>
+              <a:rPr lang="de-CH" dirty="0" smtClean="0">
+                <a:solidFill>
+                  <a:srgbClr val="0000FF"/>
+                </a:solidFill>
+                <a:latin typeface="Courier New" panose="02070309020205020404" pitchFamily="49" charset="0"/>
+              </a:rPr>
               <a:t>&gt;</a:t>
             </a:r>
-          </a:p>
-          <a:p>
-            <a:r>
-              <a:rPr lang="fr-FR" dirty="0">
-                <a:solidFill>
-                  <a:srgbClr val="0000FF"/>
-                </a:solidFill>
-                <a:latin typeface="Courier New" panose="02070309020205020404" pitchFamily="49" charset="0"/>
-              </a:rPr>
-              <a:t> </a:t>
-            </a:r>
-            <a:r>
-              <a:rPr lang="fr-FR" dirty="0" smtClean="0">
-                <a:solidFill>
-                  <a:srgbClr val="0000FF"/>
-                </a:solidFill>
-                <a:latin typeface="Courier New" panose="02070309020205020404" pitchFamily="49" charset="0"/>
-              </a:rPr>
-              <a:t> &lt;</a:t>
-            </a:r>
-            <a:r>
-              <a:rPr lang="fr-FR" dirty="0">
-                <a:solidFill>
-                  <a:srgbClr val="0000FF"/>
-                </a:solidFill>
-                <a:latin typeface="Courier New" panose="02070309020205020404" pitchFamily="49" charset="0"/>
-              </a:rPr>
-              <a:t>section</a:t>
-            </a:r>
-            <a:r>
-              <a:rPr lang="fr-FR" dirty="0" smtClean="0">
-                <a:solidFill>
-                  <a:srgbClr val="0000FF"/>
-                </a:solidFill>
-                <a:latin typeface="Courier New" panose="02070309020205020404" pitchFamily="49" charset="0"/>
-              </a:rPr>
-              <a:t>&gt;</a:t>
-            </a:r>
-            <a:endParaRPr lang="fr-FR" b="1" dirty="0">
+            <a:endParaRPr lang="de-CH" b="1" dirty="0" smtClean="0">
               <a:solidFill>
                 <a:srgbClr val="000000"/>
               </a:solidFill>
@@ -7528,7 +7923,7 @@
           </a:p>
           <a:p>
             <a:r>
-              <a:rPr lang="fr-FR" b="1" dirty="0">
+              <a:rPr lang="de-CH" b="1" dirty="0">
                 <a:solidFill>
                   <a:srgbClr val="000000"/>
                 </a:solidFill>
@@ -7537,16 +7932,16 @@
               <a:t> </a:t>
             </a:r>
             <a:r>
-              <a:rPr lang="fr-FR" b="1" dirty="0" smtClean="0">
+              <a:rPr lang="de-CH" b="1" dirty="0" smtClean="0">
                 <a:solidFill>
                   <a:srgbClr val="000000"/>
                 </a:solidFill>
                 <a:latin typeface="Courier New" panose="02070309020205020404" pitchFamily="49" charset="0"/>
               </a:rPr>
-              <a:t>   </a:t>
-            </a:r>
-            <a:r>
-              <a:rPr lang="fr-FR" dirty="0" smtClean="0">
+              <a:t> </a:t>
+            </a:r>
+            <a:r>
+              <a:rPr lang="de-CH" dirty="0" smtClean="0">
                 <a:solidFill>
                   <a:srgbClr val="0000FF"/>
                 </a:solidFill>
@@ -7555,7 +7950,7 @@
               <a:t>&lt;</a:t>
             </a:r>
             <a:r>
-              <a:rPr lang="fr-FR" dirty="0">
+              <a:rPr lang="de-CH" dirty="0">
                 <a:solidFill>
                   <a:srgbClr val="0000FF"/>
                 </a:solidFill>
@@ -7564,16 +7959,16 @@
               <a:t>p&gt;</a:t>
             </a:r>
             <a:r>
-              <a:rPr lang="fr-FR" b="1" dirty="0">
+              <a:rPr lang="de-CH" b="1" dirty="0">
                 <a:solidFill>
                   <a:srgbClr val="000000"/>
                 </a:solidFill>
                 <a:latin typeface="Courier New" panose="02070309020205020404" pitchFamily="49" charset="0"/>
               </a:rPr>
-              <a:t>Hello</a:t>
-            </a:r>
-            <a:r>
-              <a:rPr lang="fr-FR" dirty="0">
+              <a:t>Wird selektiert</a:t>
+            </a:r>
+            <a:r>
+              <a:rPr lang="de-CH" dirty="0">
                 <a:solidFill>
                   <a:srgbClr val="0000FF"/>
                 </a:solidFill>
@@ -7582,7 +7977,7 @@
               <a:t>&lt;/p</a:t>
             </a:r>
             <a:r>
-              <a:rPr lang="fr-FR" dirty="0" smtClean="0">
+              <a:rPr lang="de-CH" dirty="0" smtClean="0">
                 <a:solidFill>
                   <a:srgbClr val="0000FF"/>
                 </a:solidFill>
@@ -7590,7 +7985,7 @@
               </a:rPr>
               <a:t>&gt;</a:t>
             </a:r>
-            <a:endParaRPr lang="fr-FR" b="1" dirty="0" smtClean="0">
+            <a:endParaRPr lang="de-CH" b="1" dirty="0" smtClean="0">
               <a:solidFill>
                 <a:srgbClr val="000000"/>
               </a:solidFill>
@@ -7599,7 +7994,7 @@
           </a:p>
           <a:p>
             <a:r>
-              <a:rPr lang="fr-FR" b="1" dirty="0">
+              <a:rPr lang="de-CH" b="1" dirty="0">
                 <a:solidFill>
                   <a:srgbClr val="000000"/>
                 </a:solidFill>
@@ -7608,7 +8003,7 @@
               <a:t> </a:t>
             </a:r>
             <a:r>
-              <a:rPr lang="fr-FR" b="1" dirty="0" smtClean="0">
+              <a:rPr lang="de-CH" b="1" dirty="0" smtClean="0">
                 <a:solidFill>
                   <a:srgbClr val="000000"/>
                 </a:solidFill>
@@ -7617,16 +8012,16 @@
               <a:t> </a:t>
             </a:r>
             <a:r>
-              <a:rPr lang="fr-FR" dirty="0" smtClean="0">
+              <a:rPr lang="de-CH" dirty="0" smtClean="0">
                 <a:solidFill>
                   <a:srgbClr val="0000FF"/>
                 </a:solidFill>
                 <a:latin typeface="Courier New" panose="02070309020205020404" pitchFamily="49" charset="0"/>
               </a:rPr>
-              <a:t>&lt;/</a:t>
-            </a:r>
-            <a:r>
-              <a:rPr lang="fr-FR" dirty="0">
+              <a:t>&lt;</a:t>
+            </a:r>
+            <a:r>
+              <a:rPr lang="de-CH" dirty="0" err="1">
                 <a:solidFill>
                   <a:srgbClr val="0000FF"/>
                 </a:solidFill>
@@ -7635,7 +8030,7 @@
               <a:t>section</a:t>
             </a:r>
             <a:r>
-              <a:rPr lang="fr-FR" dirty="0" smtClean="0">
+              <a:rPr lang="de-CH" dirty="0" smtClean="0">
                 <a:solidFill>
                   <a:srgbClr val="0000FF"/>
                 </a:solidFill>
@@ -7643,7 +8038,7 @@
               </a:rPr>
               <a:t>&gt;</a:t>
             </a:r>
-            <a:endParaRPr lang="fr-FR" b="1" dirty="0" smtClean="0">
+            <a:endParaRPr lang="de-CH" b="1" dirty="0" smtClean="0">
               <a:solidFill>
                 <a:srgbClr val="000000"/>
               </a:solidFill>
@@ -7652,24 +8047,157 @@
           </a:p>
           <a:p>
             <a:r>
-              <a:rPr lang="fr-FR" dirty="0" smtClean="0">
+              <a:rPr lang="de-CH" b="1" dirty="0">
+                <a:solidFill>
+                  <a:srgbClr val="000000"/>
+                </a:solidFill>
+                <a:latin typeface="Courier New" panose="02070309020205020404" pitchFamily="49" charset="0"/>
+              </a:rPr>
+              <a:t> </a:t>
+            </a:r>
+            <a:r>
+              <a:rPr lang="de-CH" b="1" dirty="0" smtClean="0">
+                <a:solidFill>
+                  <a:srgbClr val="000000"/>
+                </a:solidFill>
+                <a:latin typeface="Courier New" panose="02070309020205020404" pitchFamily="49" charset="0"/>
+              </a:rPr>
+              <a:t>   </a:t>
+            </a:r>
+            <a:r>
+              <a:rPr lang="de-CH" dirty="0" smtClean="0">
                 <a:solidFill>
                   <a:srgbClr val="0000FF"/>
                 </a:solidFill>
                 <a:latin typeface="Courier New" panose="02070309020205020404" pitchFamily="49" charset="0"/>
               </a:rPr>
+              <a:t>&lt;</a:t>
+            </a:r>
+            <a:r>
+              <a:rPr lang="de-CH" dirty="0">
+                <a:solidFill>
+                  <a:srgbClr val="0000FF"/>
+                </a:solidFill>
+                <a:latin typeface="Courier New" panose="02070309020205020404" pitchFamily="49" charset="0"/>
+              </a:rPr>
+              <a:t>p&gt;</a:t>
+            </a:r>
+            <a:r>
+              <a:rPr lang="de-CH" b="1" dirty="0">
+                <a:solidFill>
+                  <a:srgbClr val="000000"/>
+                </a:solidFill>
+                <a:latin typeface="Courier New" panose="02070309020205020404" pitchFamily="49" charset="0"/>
+              </a:rPr>
+              <a:t>Wird selektiert</a:t>
+            </a:r>
+            <a:r>
+              <a:rPr lang="de-CH" dirty="0">
+                <a:solidFill>
+                  <a:srgbClr val="0000FF"/>
+                </a:solidFill>
+                <a:latin typeface="Courier New" panose="02070309020205020404" pitchFamily="49" charset="0"/>
+              </a:rPr>
+              <a:t>&lt;/p</a:t>
+            </a:r>
+            <a:r>
+              <a:rPr lang="de-CH" dirty="0" smtClean="0">
+                <a:solidFill>
+                  <a:srgbClr val="0000FF"/>
+                </a:solidFill>
+                <a:latin typeface="Courier New" panose="02070309020205020404" pitchFamily="49" charset="0"/>
+              </a:rPr>
+              <a:t>&gt;</a:t>
+            </a:r>
+            <a:endParaRPr lang="de-CH" b="1" dirty="0" smtClean="0">
+              <a:solidFill>
+                <a:srgbClr val="000000"/>
+              </a:solidFill>
+              <a:latin typeface="Courier New" panose="02070309020205020404" pitchFamily="49" charset="0"/>
+            </a:endParaRPr>
+          </a:p>
+          <a:p>
+            <a:r>
+              <a:rPr lang="de-CH" b="1" dirty="0">
+                <a:solidFill>
+                  <a:srgbClr val="000000"/>
+                </a:solidFill>
+                <a:latin typeface="Courier New" panose="02070309020205020404" pitchFamily="49" charset="0"/>
+              </a:rPr>
+              <a:t> </a:t>
+            </a:r>
+            <a:r>
+              <a:rPr lang="de-CH" b="1" dirty="0" smtClean="0">
+                <a:solidFill>
+                  <a:srgbClr val="000000"/>
+                </a:solidFill>
+                <a:latin typeface="Courier New" panose="02070309020205020404" pitchFamily="49" charset="0"/>
+              </a:rPr>
+              <a:t> </a:t>
+            </a:r>
+            <a:r>
+              <a:rPr lang="de-CH" dirty="0" smtClean="0">
+                <a:solidFill>
+                  <a:srgbClr val="0000FF"/>
+                </a:solidFill>
+                <a:latin typeface="Courier New" panose="02070309020205020404" pitchFamily="49" charset="0"/>
+              </a:rPr>
               <a:t>&lt;/</a:t>
             </a:r>
             <a:r>
-              <a:rPr lang="fr-FR" dirty="0">
+              <a:rPr lang="de-CH" dirty="0" err="1">
                 <a:solidFill>
                   <a:srgbClr val="0000FF"/>
                 </a:solidFill>
                 <a:latin typeface="Courier New" panose="02070309020205020404" pitchFamily="49" charset="0"/>
               </a:rPr>
-              <a:t>article&gt;</a:t>
-            </a:r>
-            <a:endParaRPr lang="fr-FR" dirty="0">
+              <a:t>section</a:t>
+            </a:r>
+            <a:r>
+              <a:rPr lang="de-CH" dirty="0" smtClean="0">
+                <a:solidFill>
+                  <a:srgbClr val="0000FF"/>
+                </a:solidFill>
+                <a:latin typeface="Courier New" panose="02070309020205020404" pitchFamily="49" charset="0"/>
+              </a:rPr>
+              <a:t>&gt;</a:t>
+            </a:r>
+            <a:endParaRPr lang="de-CH" b="1" dirty="0" smtClean="0">
+              <a:solidFill>
+                <a:srgbClr val="000000"/>
+              </a:solidFill>
+              <a:latin typeface="Courier New" panose="02070309020205020404" pitchFamily="49" charset="0"/>
+            </a:endParaRPr>
+          </a:p>
+          <a:p>
+            <a:r>
+              <a:rPr lang="de-CH" dirty="0" smtClean="0">
+                <a:solidFill>
+                  <a:srgbClr val="0000FF"/>
+                </a:solidFill>
+                <a:latin typeface="Courier New" panose="02070309020205020404" pitchFamily="49" charset="0"/>
+              </a:rPr>
+              <a:t>&lt;/</a:t>
+            </a:r>
+            <a:r>
+              <a:rPr lang="de-CH" dirty="0" err="1">
+                <a:solidFill>
+                  <a:srgbClr val="0000FF"/>
+                </a:solidFill>
+                <a:latin typeface="Courier New" panose="02070309020205020404" pitchFamily="49" charset="0"/>
+              </a:rPr>
+              <a:t>article</a:t>
+            </a:r>
+            <a:r>
+              <a:rPr lang="de-CH" dirty="0">
+                <a:solidFill>
+                  <a:srgbClr val="0000FF"/>
+                </a:solidFill>
+                <a:latin typeface="Courier New" panose="02070309020205020404" pitchFamily="49" charset="0"/>
+              </a:rPr>
+              <a:t>&gt;</a:t>
+            </a:r>
+            <a:endParaRPr lang="de-CH" dirty="0">
               <a:effectLst/>
             </a:endParaRPr>
           </a:p>
@@ -7683,7 +8211,7 @@
         </p:nvSpPr>
         <p:spPr>
           <a:xfrm>
-            <a:off x="2683933" y="3166879"/>
+            <a:off x="2164642" y="3166879"/>
             <a:ext cx="2114681" cy="923330"/>
           </a:xfrm>
           <a:prstGeom prst="rect">
@@ -7850,45 +8378,55 @@
           <a:lstStyle/>
           <a:p>
             <a:r>
-              <a:rPr lang="de-CH" smtClean="0">
+              <a:rPr lang="de-CH" dirty="0" err="1" smtClean="0">
                 <a:solidFill>
                   <a:srgbClr val="0000FF"/>
                 </a:solidFill>
                 <a:latin typeface="Batang" panose="02030600000101010101" pitchFamily="18" charset="-127"/>
                 <a:ea typeface="Batang" panose="02030600000101010101" pitchFamily="18" charset="-127"/>
               </a:rPr>
-              <a:t>section </a:t>
-            </a:r>
-            <a:r>
-              <a:rPr lang="de-CH" b="1" smtClean="0">
-                <a:solidFill>
-                  <a:srgbClr val="000000"/>
-                </a:solidFill>
-                <a:latin typeface="Courier New" panose="02070309020205020404" pitchFamily="49" charset="0"/>
-              </a:rPr>
-              <a:t>&gt;</a:t>
-            </a:r>
-            <a:r>
-              <a:rPr lang="de-CH" smtClean="0">
-                <a:solidFill>
-                  <a:srgbClr val="000000"/>
-                </a:solidFill>
-                <a:latin typeface="Courier New" panose="02070309020205020404" pitchFamily="49" charset="0"/>
-              </a:rPr>
-              <a:t> </a:t>
-            </a:r>
-            <a:r>
-              <a:rPr lang="de-CH" smtClean="0">
+              <a:t>section</a:t>
+            </a:r>
+            <a:r>
+              <a:rPr lang="de-CH" dirty="0" smtClean="0">
                 <a:solidFill>
                   <a:srgbClr val="0000FF"/>
                 </a:solidFill>
                 <a:latin typeface="Batang" panose="02030600000101010101" pitchFamily="18" charset="-127"/>
                 <a:ea typeface="Batang" panose="02030600000101010101" pitchFamily="18" charset="-127"/>
               </a:rPr>
+              <a:t> </a:t>
+            </a:r>
+            <a:r>
+              <a:rPr lang="de-CH" b="1" dirty="0" smtClean="0">
+                <a:solidFill>
+                  <a:srgbClr val="000000"/>
+                </a:solidFill>
+                <a:latin typeface="Courier New" panose="02070309020205020404" pitchFamily="49" charset="0"/>
+              </a:rPr>
+              <a:t>&gt;</a:t>
+            </a:r>
+            <a:r>
+              <a:rPr lang="de-CH" dirty="0" smtClean="0">
+                <a:solidFill>
+                  <a:srgbClr val="000000"/>
+                </a:solidFill>
+                <a:latin typeface="Courier New" panose="02070309020205020404" pitchFamily="49" charset="0"/>
+              </a:rPr>
+              <a:t> </a:t>
+            </a:r>
+            <a:r>
+              <a:rPr lang="de-CH" dirty="0" smtClean="0">
+                <a:solidFill>
+                  <a:srgbClr val="0000FF"/>
+                </a:solidFill>
+                <a:latin typeface="Batang" panose="02030600000101010101" pitchFamily="18" charset="-127"/>
+                <a:ea typeface="Batang" panose="02030600000101010101" pitchFamily="18" charset="-127"/>
+              </a:rPr>
               <a:t>div </a:t>
             </a:r>
             <a:r>
-              <a:rPr lang="de-CH" b="1" smtClean="0">
+              <a:rPr lang="de-CH" b="1" dirty="0" smtClean="0">
                 <a:solidFill>
                   <a:srgbClr val="000000"/>
                 </a:solidFill>
@@ -7897,7 +8435,7 @@
               <a:t>{</a:t>
             </a:r>
             <a:r>
-              <a:rPr lang="de-CH" b="1" smtClean="0">
+              <a:rPr lang="de-CH" b="1" dirty="0" smtClean="0">
                 <a:solidFill>
                   <a:srgbClr val="8080C0"/>
                 </a:solidFill>
@@ -7908,25 +8446,52 @@
           </a:p>
           <a:p>
             <a:r>
-              <a:rPr lang="de-CH" b="1" smtClean="0">
+              <a:rPr lang="de-CH" b="1" dirty="0" smtClean="0">
                 <a:solidFill>
                   <a:srgbClr val="8080C0"/>
                 </a:solidFill>
                 <a:latin typeface="Courier New" panose="02070309020205020404" pitchFamily="49" charset="0"/>
               </a:rPr>
-              <a:t>  color</a:t>
-            </a:r>
-            <a:r>
-              <a:rPr lang="de-CH" b="1" smtClean="0">
+              <a:t>  </a:t>
+            </a:r>
+            <a:r>
+              <a:rPr lang="de-CH" b="1" dirty="0" err="1" smtClean="0">
+                <a:solidFill>
+                  <a:srgbClr val="8080C0"/>
+                </a:solidFill>
+                <a:latin typeface="Courier New" panose="02070309020205020404" pitchFamily="49" charset="0"/>
+              </a:rPr>
+              <a:t>color</a:t>
+            </a:r>
+            <a:r>
+              <a:rPr lang="de-CH" b="1" dirty="0" smtClean="0">
                 <a:solidFill>
                   <a:srgbClr val="000000"/>
                 </a:solidFill>
                 <a:latin typeface="Courier New" panose="02070309020205020404" pitchFamily="49" charset="0"/>
               </a:rPr>
-              <a:t>: green;</a:t>
-            </a:r>
-            <a:r>
-              <a:rPr lang="de-CH" b="1" smtClean="0">
+              <a:t>: </a:t>
+            </a:r>
+            <a:r>
+              <a:rPr lang="de-CH" b="1" dirty="0" err="1" smtClean="0">
+                <a:solidFill>
+                  <a:srgbClr val="000000"/>
+                </a:solidFill>
+                <a:latin typeface="Courier New" panose="02070309020205020404" pitchFamily="49" charset="0"/>
+              </a:rPr>
+              <a:t>green</a:t>
+            </a:r>
+            <a:r>
+              <a:rPr lang="de-CH" b="1" dirty="0" smtClean="0">
+                <a:solidFill>
+                  <a:srgbClr val="000000"/>
+                </a:solidFill>
+                <a:latin typeface="Courier New" panose="02070309020205020404" pitchFamily="49" charset="0"/>
+              </a:rPr>
+              <a:t>;</a:t>
+            </a:r>
+            <a:r>
+              <a:rPr lang="de-CH" b="1" dirty="0" smtClean="0">
                 <a:solidFill>
                   <a:srgbClr val="8080C0"/>
                 </a:solidFill>
@@ -7937,7 +8502,7 @@
           </a:p>
           <a:p>
             <a:r>
-              <a:rPr lang="de-CH" b="1" smtClean="0">
+              <a:rPr lang="de-CH" b="1" dirty="0" smtClean="0">
                 <a:solidFill>
                   <a:srgbClr val="000000"/>
                 </a:solidFill>
@@ -7959,8 +8524,8 @@
         </p:nvSpPr>
         <p:spPr>
           <a:xfrm>
-            <a:off x="6539746" y="4398834"/>
-            <a:ext cx="2803973" cy="923330"/>
+            <a:off x="6746534" y="4319812"/>
+            <a:ext cx="5147563" cy="1754326"/>
           </a:xfrm>
           <a:prstGeom prst="rect">
             <a:avLst/>
@@ -8044,13 +8609,31 @@
               <a:t>div&gt;</a:t>
             </a:r>
             <a:r>
-              <a:rPr lang="de-CH" b="1" dirty="0" err="1">
+              <a:rPr lang="de-CH" b="1" dirty="0">
                 <a:solidFill>
                   <a:srgbClr val="000000"/>
                 </a:solidFill>
                 <a:latin typeface="Courier New" panose="02070309020205020404" pitchFamily="49" charset="0"/>
               </a:rPr>
-              <a:t>Hello</a:t>
+              <a:t> Wird </a:t>
+            </a:r>
+            <a:r>
+              <a:rPr lang="de-CH" b="1" dirty="0" smtClean="0">
+                <a:solidFill>
+                  <a:srgbClr val="000000"/>
+                </a:solidFill>
+                <a:latin typeface="Courier New" panose="02070309020205020404" pitchFamily="49" charset="0"/>
+              </a:rPr>
+              <a:t>selektiert</a:t>
+            </a:r>
+            <a:r>
+              <a:rPr lang="de-CH" dirty="0" smtClean="0">
+                <a:solidFill>
+                  <a:srgbClr val="0000FF"/>
+                </a:solidFill>
+                <a:latin typeface="Courier New" panose="02070309020205020404" pitchFamily="49" charset="0"/>
+              </a:rPr>
+              <a:t>&lt;/</a:t>
             </a:r>
             <a:r>
               <a:rPr lang="de-CH" dirty="0">
@@ -8059,8 +8642,63 @@
                 </a:solidFill>
                 <a:latin typeface="Courier New" panose="02070309020205020404" pitchFamily="49" charset="0"/>
               </a:rPr>
-              <a:t>&lt;/div&gt;</a:t>
-            </a:r>
+              <a:t>div</a:t>
+            </a:r>
+            <a:r>
+              <a:rPr lang="de-CH" dirty="0" smtClean="0">
+                <a:solidFill>
+                  <a:srgbClr val="0000FF"/>
+                </a:solidFill>
+                <a:latin typeface="Courier New" panose="02070309020205020404" pitchFamily="49" charset="0"/>
+              </a:rPr>
+              <a:t>&gt;</a:t>
+            </a:r>
+          </a:p>
+          <a:p>
+            <a:r>
+              <a:rPr lang="de-CH" dirty="0">
+                <a:solidFill>
+                  <a:srgbClr val="0000FF"/>
+                </a:solidFill>
+                <a:latin typeface="Courier New" panose="02070309020205020404" pitchFamily="49" charset="0"/>
+              </a:rPr>
+              <a:t> </a:t>
+            </a:r>
+            <a:r>
+              <a:rPr lang="de-CH" dirty="0" smtClean="0">
+                <a:solidFill>
+                  <a:srgbClr val="0000FF"/>
+                </a:solidFill>
+                <a:latin typeface="Courier New" panose="02070309020205020404" pitchFamily="49" charset="0"/>
+              </a:rPr>
+              <a:t> &lt;</a:t>
+            </a:r>
+            <a:r>
+              <a:rPr lang="de-CH" dirty="0" err="1">
+                <a:solidFill>
+                  <a:srgbClr val="0000FF"/>
+                </a:solidFill>
+                <a:latin typeface="Courier New" panose="02070309020205020404" pitchFamily="49" charset="0"/>
+              </a:rPr>
+              <a:t>article</a:t>
+            </a:r>
+            <a:r>
+              <a:rPr lang="de-CH" dirty="0" smtClean="0">
+                <a:solidFill>
+                  <a:srgbClr val="0000FF"/>
+                </a:solidFill>
+                <a:latin typeface="Courier New" panose="02070309020205020404" pitchFamily="49" charset="0"/>
+              </a:rPr>
+              <a:t>&gt;</a:t>
+            </a:r>
+            <a:endParaRPr lang="de-CH" b="1" dirty="0" smtClean="0">
+              <a:solidFill>
+                <a:srgbClr val="000000"/>
+              </a:solidFill>
+              <a:latin typeface="Courier New" panose="02070309020205020404" pitchFamily="49" charset="0"/>
+            </a:endParaRPr>
+          </a:p>
+          <a:p>
             <a:r>
               <a:rPr lang="de-CH" b="1" dirty="0">
                 <a:solidFill>
@@ -8069,6 +8707,113 @@
                 <a:latin typeface="Courier New" panose="02070309020205020404" pitchFamily="49" charset="0"/>
               </a:rPr>
               <a:t> </a:t>
+            </a:r>
+            <a:r>
+              <a:rPr lang="de-CH" b="1" dirty="0" smtClean="0">
+                <a:solidFill>
+                  <a:srgbClr val="000000"/>
+                </a:solidFill>
+                <a:latin typeface="Courier New" panose="02070309020205020404" pitchFamily="49" charset="0"/>
+              </a:rPr>
+              <a:t>   </a:t>
+            </a:r>
+            <a:r>
+              <a:rPr lang="de-CH" dirty="0" smtClean="0">
+                <a:solidFill>
+                  <a:srgbClr val="0000FF"/>
+                </a:solidFill>
+                <a:latin typeface="Courier New" panose="02070309020205020404" pitchFamily="49" charset="0"/>
+              </a:rPr>
+              <a:t>&lt;</a:t>
+            </a:r>
+            <a:r>
+              <a:rPr lang="de-CH" dirty="0">
+                <a:solidFill>
+                  <a:srgbClr val="0000FF"/>
+                </a:solidFill>
+                <a:latin typeface="Courier New" panose="02070309020205020404" pitchFamily="49" charset="0"/>
+              </a:rPr>
+              <a:t>div&gt;</a:t>
+            </a:r>
+            <a:r>
+              <a:rPr lang="de-CH" b="1" dirty="0">
+                <a:solidFill>
+                  <a:srgbClr val="000000"/>
+                </a:solidFill>
+                <a:latin typeface="Courier New" panose="02070309020205020404" pitchFamily="49" charset="0"/>
+              </a:rPr>
+              <a:t>Wird nicht selektiert</a:t>
+            </a:r>
+            <a:r>
+              <a:rPr lang="de-CH" dirty="0">
+                <a:solidFill>
+                  <a:srgbClr val="0000FF"/>
+                </a:solidFill>
+                <a:latin typeface="Courier New" panose="02070309020205020404" pitchFamily="49" charset="0"/>
+              </a:rPr>
+              <a:t>&lt;/div</a:t>
+            </a:r>
+            <a:r>
+              <a:rPr lang="de-CH" dirty="0" smtClean="0">
+                <a:solidFill>
+                  <a:srgbClr val="0000FF"/>
+                </a:solidFill>
+                <a:latin typeface="Courier New" panose="02070309020205020404" pitchFamily="49" charset="0"/>
+              </a:rPr>
+              <a:t>&gt;</a:t>
+            </a:r>
+            <a:endParaRPr lang="de-CH" b="1" dirty="0" smtClean="0">
+              <a:solidFill>
+                <a:srgbClr val="000000"/>
+              </a:solidFill>
+              <a:latin typeface="Courier New" panose="02070309020205020404" pitchFamily="49" charset="0"/>
+            </a:endParaRPr>
+          </a:p>
+          <a:p>
+            <a:r>
+              <a:rPr lang="de-CH" b="1" dirty="0">
+                <a:solidFill>
+                  <a:srgbClr val="000000"/>
+                </a:solidFill>
+                <a:latin typeface="Courier New" panose="02070309020205020404" pitchFamily="49" charset="0"/>
+              </a:rPr>
+              <a:t> </a:t>
+            </a:r>
+            <a:r>
+              <a:rPr lang="de-CH" b="1" dirty="0" smtClean="0">
+                <a:solidFill>
+                  <a:srgbClr val="000000"/>
+                </a:solidFill>
+                <a:latin typeface="Courier New" panose="02070309020205020404" pitchFamily="49" charset="0"/>
+              </a:rPr>
+              <a:t> </a:t>
+            </a:r>
+            <a:r>
+              <a:rPr lang="de-CH" dirty="0" smtClean="0">
+                <a:solidFill>
+                  <a:srgbClr val="0000FF"/>
+                </a:solidFill>
+                <a:latin typeface="Courier New" panose="02070309020205020404" pitchFamily="49" charset="0"/>
+              </a:rPr>
+              <a:t>&lt;/</a:t>
+            </a:r>
+            <a:r>
+              <a:rPr lang="de-CH" dirty="0" err="1">
+                <a:solidFill>
+                  <a:srgbClr val="0000FF"/>
+                </a:solidFill>
+                <a:latin typeface="Courier New" panose="02070309020205020404" pitchFamily="49" charset="0"/>
+              </a:rPr>
+              <a:t>article</a:t>
+            </a:r>
+            <a:r>
+              <a:rPr lang="de-CH" dirty="0" smtClean="0">
+                <a:solidFill>
+                  <a:srgbClr val="0000FF"/>
+                </a:solidFill>
+                <a:latin typeface="Courier New" panose="02070309020205020404" pitchFamily="49" charset="0"/>
+              </a:rPr>
+              <a:t>&gt;</a:t>
             </a:r>
             <a:endParaRPr lang="de-CH" b="1" dirty="0" smtClean="0">
               <a:solidFill>
@@ -8124,9 +8869,182 @@
   <p:timing>
     <p:tnLst>
       <p:par>
-        <p:cTn id="1" dur="indefinite" restart="never" nodeType="tmRoot"/>
+        <p:cTn id="1" dur="indefinite" restart="never" nodeType="tmRoot">
+          <p:childTnLst>
+            <p:seq concurrent="1" nextAc="seek">
+              <p:cTn id="2" dur="indefinite" nodeType="mainSeq">
+                <p:childTnLst>
+                  <p:par>
+                    <p:cTn id="3" fill="hold">
+                      <p:stCondLst>
+                        <p:cond delay="indefinite"/>
+                      </p:stCondLst>
+                      <p:childTnLst>
+                        <p:par>
+                          <p:cTn id="4" fill="hold">
+                            <p:stCondLst>
+                              <p:cond delay="0"/>
+                            </p:stCondLst>
+                            <p:childTnLst>
+                              <p:par>
+                                <p:cTn id="5" presetID="1" presetClass="entr" presetSubtype="0" fill="hold" grpId="0" nodeType="clickEffect">
+                                  <p:stCondLst>
+                                    <p:cond delay="0"/>
+                                  </p:stCondLst>
+                                  <p:childTnLst>
+                                    <p:set>
+                                      <p:cBhvr>
+                                        <p:cTn id="6" dur="1" fill="hold">
+                                          <p:stCondLst>
+                                            <p:cond delay="0"/>
+                                          </p:stCondLst>
+                                        </p:cTn>
+                                        <p:tgtEl>
+                                          <p:spTgt spid="6"/>
+                                        </p:tgtEl>
+                                        <p:attrNameLst>
+                                          <p:attrName>style.visibility</p:attrName>
+                                        </p:attrNameLst>
+                                      </p:cBhvr>
+                                      <p:to>
+                                        <p:strVal val="visible"/>
+                                      </p:to>
+                                    </p:set>
+                                  </p:childTnLst>
+                                </p:cTn>
+                              </p:par>
+                              <p:par>
+                                <p:cTn id="7" presetID="1" presetClass="entr" presetSubtype="0" fill="hold" grpId="0" nodeType="withEffect">
+                                  <p:stCondLst>
+                                    <p:cond delay="0"/>
+                                  </p:stCondLst>
+                                  <p:childTnLst>
+                                    <p:set>
+                                      <p:cBhvr>
+                                        <p:cTn id="8" dur="1" fill="hold">
+                                          <p:stCondLst>
+                                            <p:cond delay="0"/>
+                                          </p:stCondLst>
+                                        </p:cTn>
+                                        <p:tgtEl>
+                                          <p:spTgt spid="4"/>
+                                        </p:tgtEl>
+                                        <p:attrNameLst>
+                                          <p:attrName>style.visibility</p:attrName>
+                                        </p:attrNameLst>
+                                      </p:cBhvr>
+                                      <p:to>
+                                        <p:strVal val="visible"/>
+                                      </p:to>
+                                    </p:set>
+                                  </p:childTnLst>
+                                </p:cTn>
+                              </p:par>
+                            </p:childTnLst>
+                          </p:cTn>
+                        </p:par>
+                      </p:childTnLst>
+                    </p:cTn>
+                  </p:par>
+                  <p:par>
+                    <p:cTn id="9" fill="hold">
+                      <p:stCondLst>
+                        <p:cond delay="indefinite"/>
+                      </p:stCondLst>
+                      <p:childTnLst>
+                        <p:par>
+                          <p:cTn id="10" fill="hold">
+                            <p:stCondLst>
+                              <p:cond delay="0"/>
+                            </p:stCondLst>
+                            <p:childTnLst>
+                              <p:par>
+                                <p:cTn id="11" presetID="1" presetClass="entr" presetSubtype="0" fill="hold" grpId="0" nodeType="clickEffect">
+                                  <p:stCondLst>
+                                    <p:cond delay="0"/>
+                                  </p:stCondLst>
+                                  <p:childTnLst>
+                                    <p:set>
+                                      <p:cBhvr>
+                                        <p:cTn id="12" dur="1" fill="hold">
+                                          <p:stCondLst>
+                                            <p:cond delay="0"/>
+                                          </p:stCondLst>
+                                        </p:cTn>
+                                        <p:tgtEl>
+                                          <p:spTgt spid="7"/>
+                                        </p:tgtEl>
+                                        <p:attrNameLst>
+                                          <p:attrName>style.visibility</p:attrName>
+                                        </p:attrNameLst>
+                                      </p:cBhvr>
+                                      <p:to>
+                                        <p:strVal val="visible"/>
+                                      </p:to>
+                                    </p:set>
+                                  </p:childTnLst>
+                                </p:cTn>
+                              </p:par>
+                              <p:par>
+                                <p:cTn id="13" presetID="1" presetClass="entr" presetSubtype="0" fill="hold" grpId="0" nodeType="withEffect">
+                                  <p:stCondLst>
+                                    <p:cond delay="0"/>
+                                  </p:stCondLst>
+                                  <p:childTnLst>
+                                    <p:set>
+                                      <p:cBhvr>
+                                        <p:cTn id="14" dur="1" fill="hold">
+                                          <p:stCondLst>
+                                            <p:cond delay="0"/>
+                                          </p:stCondLst>
+                                        </p:cTn>
+                                        <p:tgtEl>
+                                          <p:spTgt spid="9"/>
+                                        </p:tgtEl>
+                                        <p:attrNameLst>
+                                          <p:attrName>style.visibility</p:attrName>
+                                        </p:attrNameLst>
+                                      </p:cBhvr>
+                                      <p:to>
+                                        <p:strVal val="visible"/>
+                                      </p:to>
+                                    </p:set>
+                                  </p:childTnLst>
+                                </p:cTn>
+                              </p:par>
+                            </p:childTnLst>
+                          </p:cTn>
+                        </p:par>
+                      </p:childTnLst>
+                    </p:cTn>
+                  </p:par>
+                </p:childTnLst>
+              </p:cTn>
+              <p:prevCondLst>
+                <p:cond evt="onPrev" delay="0">
+                  <p:tgtEl>
+                    <p:sldTgt/>
+                  </p:tgtEl>
+                </p:cond>
+              </p:prevCondLst>
+              <p:nextCondLst>
+                <p:cond evt="onNext" delay="0">
+                  <p:tgtEl>
+                    <p:sldTgt/>
+                  </p:tgtEl>
+                </p:cond>
+              </p:nextCondLst>
+            </p:seq>
+          </p:childTnLst>
+        </p:cTn>
       </p:par>
     </p:tnLst>
+    <p:bldLst>
+      <p:bldP spid="4" grpId="0"/>
+      <p:bldP spid="6" grpId="0"/>
+      <p:bldP spid="7" grpId="0"/>
+      <p:bldP spid="9" grpId="0"/>
+    </p:bldLst>
   </p:timing>
 </p:sld>
 </file>
@@ -12015,20 +12933,49 @@
       </p:grpSpPr>
       <p:sp>
         <p:nvSpPr>
-          <p:cNvPr id="2" name="Titel 1"/>
-          <p:cNvSpPr>
-            <a:spLocks noGrp="1"/>
-          </p:cNvSpPr>
-          <p:nvPr>
-            <p:ph type="title"/>
-          </p:nvPr>
+          <p:cNvPr id="5" name="Rechteck 4"/>
+          <p:cNvSpPr/>
+          <p:nvPr/>
         </p:nvSpPr>
-        <p:spPr/>
+        <p:spPr>
+          <a:xfrm>
+            <a:off x="897775" y="1487978"/>
+            <a:ext cx="10532225" cy="507077"/>
+          </a:xfrm>
+          <a:prstGeom prst="rect">
+            <a:avLst/>
+          </a:prstGeom>
+          <a:solidFill>
+            <a:schemeClr val="bg1"/>
+          </a:solidFill>
+          <a:ln>
+            <a:solidFill>
+              <a:schemeClr val="bg1"/>
+            </a:solidFill>
+          </a:ln>
+        </p:spPr>
+        <p:style>
+          <a:lnRef idx="2">
+            <a:schemeClr val="accent1">
+              <a:shade val="50000"/>
+            </a:schemeClr>
+          </a:lnRef>
+          <a:fillRef idx="1">
+            <a:schemeClr val="accent1"/>
+          </a:fillRef>
+          <a:effectRef idx="0">
+            <a:schemeClr val="accent1"/>
+          </a:effectRef>
+          <a:fontRef idx="minor">
+            <a:schemeClr val="lt1"/>
+          </a:fontRef>
+        </p:style>
         <p:txBody>
-          <a:bodyPr/>
+          <a:bodyPr rtlCol="0" anchor="ctr"/>
           <a:lstStyle/>
           <a:p>
-            <a:endParaRPr lang="de-CH" dirty="0"/>
+            <a:pPr algn="ctr"/>
+            <a:endParaRPr lang="de-CH"/>
           </a:p>
         </p:txBody>
       </p:sp>
@@ -12056,7 +13003,7 @@
         </p:blipFill>
         <p:spPr>
           <a:xfrm>
-            <a:off x="3108365" y="1846263"/>
+            <a:off x="3083426" y="1322562"/>
             <a:ext cx="6035596" cy="4022725"/>
           </a:xfrm>
           <a:prstGeom prst="rect">
@@ -16714,25 +17661,6 @@
           <a:chExt cx="0" cy="0"/>
         </a:xfrm>
       </p:grpSpPr>
-      <p:sp>
-        <p:nvSpPr>
-          <p:cNvPr id="2" name="Titel 1"/>
-          <p:cNvSpPr>
-            <a:spLocks noGrp="1"/>
-          </p:cNvSpPr>
-          <p:nvPr>
-            <p:ph type="title"/>
-          </p:nvPr>
-        </p:nvSpPr>
-        <p:spPr/>
-        <p:txBody>
-          <a:bodyPr/>
-          <a:lstStyle/>
-          <a:p>
-            <a:endParaRPr lang="de-CH"/>
-          </a:p>
-        </p:txBody>
-      </p:sp>
       <p:pic>
         <p:nvPicPr>
           <p:cNvPr id="4" name="Inhaltsplatzhalter 3"/>
@@ -16757,9 +17685,22 @@
         </p:blipFill>
         <p:spPr>
           <a:xfrm>
-            <a:off x="1153297" y="1027906"/>
+            <a:off x="1249680" y="1185848"/>
             <a:ext cx="9753600" cy="4210050"/>
           </a:xfrm>
+          <a:prstGeom prst="rect">
+            <a:avLst/>
+          </a:prstGeom>
+          <a:ln>
+            <a:noFill/>
+          </a:ln>
+          <a:effectLst>
+            <a:outerShdw blurRad="292100" dist="139700" dir="2700000" algn="tl" rotWithShape="0">
+              <a:srgbClr val="333333">
+                <a:alpha val="65000"/>
+              </a:srgbClr>
+            </a:outerShdw>
+          </a:effectLst>
         </p:spPr>
       </p:pic>
     </p:spTree>
@@ -16801,19 +17742,48 @@
       </p:grpSpPr>
       <p:sp>
         <p:nvSpPr>
-          <p:cNvPr id="2" name="Titel 1"/>
-          <p:cNvSpPr>
-            <a:spLocks noGrp="1"/>
-          </p:cNvSpPr>
-          <p:nvPr>
-            <p:ph type="title"/>
-          </p:nvPr>
+          <p:cNvPr id="3" name="Rechteck 2"/>
+          <p:cNvSpPr/>
+          <p:nvPr/>
         </p:nvSpPr>
-        <p:spPr/>
+        <p:spPr>
+          <a:xfrm>
+            <a:off x="897775" y="1487978"/>
+            <a:ext cx="10532225" cy="507077"/>
+          </a:xfrm>
+          <a:prstGeom prst="rect">
+            <a:avLst/>
+          </a:prstGeom>
+          <a:solidFill>
+            <a:schemeClr val="bg1"/>
+          </a:solidFill>
+          <a:ln>
+            <a:solidFill>
+              <a:schemeClr val="bg1"/>
+            </a:solidFill>
+          </a:ln>
+        </p:spPr>
+        <p:style>
+          <a:lnRef idx="2">
+            <a:schemeClr val="accent1">
+              <a:shade val="50000"/>
+            </a:schemeClr>
+          </a:lnRef>
+          <a:fillRef idx="1">
+            <a:schemeClr val="accent1"/>
+          </a:fillRef>
+          <a:effectRef idx="0">
+            <a:schemeClr val="accent1"/>
+          </a:effectRef>
+          <a:fontRef idx="minor">
+            <a:schemeClr val="lt1"/>
+          </a:fontRef>
+        </p:style>
         <p:txBody>
-          <a:bodyPr/>
+          <a:bodyPr rtlCol="0" anchor="ctr"/>
           <a:lstStyle/>
           <a:p>
+            <a:pPr algn="ctr"/>
             <a:endParaRPr lang="de-CH"/>
           </a:p>
         </p:txBody>
@@ -16842,9 +17812,22 @@
         </p:blipFill>
         <p:spPr>
           <a:xfrm>
-            <a:off x="3108159" y="1846263"/>
+            <a:off x="2933592" y="1214495"/>
             <a:ext cx="6036007" cy="4022725"/>
           </a:xfrm>
+          <a:prstGeom prst="rect">
+            <a:avLst/>
+          </a:prstGeom>
+          <a:ln>
+            <a:noFill/>
+          </a:ln>
+          <a:effectLst>
+            <a:outerShdw blurRad="292100" dist="139700" dir="2700000" algn="tl" rotWithShape="0">
+              <a:srgbClr val="333333">
+                <a:alpha val="65000"/>
+              </a:srgbClr>
+            </a:outerShdw>
+          </a:effectLst>
         </p:spPr>
       </p:pic>
     </p:spTree>
@@ -16886,19 +17869,48 @@
       </p:grpSpPr>
       <p:sp>
         <p:nvSpPr>
-          <p:cNvPr id="2" name="Titel 1"/>
-          <p:cNvSpPr>
-            <a:spLocks noGrp="1"/>
-          </p:cNvSpPr>
-          <p:nvPr>
-            <p:ph type="title"/>
-          </p:nvPr>
+          <p:cNvPr id="5" name="Rechteck 4"/>
+          <p:cNvSpPr/>
+          <p:nvPr/>
         </p:nvSpPr>
-        <p:spPr/>
+        <p:spPr>
+          <a:xfrm>
+            <a:off x="897775" y="1487978"/>
+            <a:ext cx="10532225" cy="507077"/>
+          </a:xfrm>
+          <a:prstGeom prst="rect">
+            <a:avLst/>
+          </a:prstGeom>
+          <a:solidFill>
+            <a:schemeClr val="bg1"/>
+          </a:solidFill>
+          <a:ln>
+            <a:solidFill>
+              <a:schemeClr val="bg1"/>
+            </a:solidFill>
+          </a:ln>
+        </p:spPr>
+        <p:style>
+          <a:lnRef idx="2">
+            <a:schemeClr val="accent1">
+              <a:shade val="50000"/>
+            </a:schemeClr>
+          </a:lnRef>
+          <a:fillRef idx="1">
+            <a:schemeClr val="accent1"/>
+          </a:fillRef>
+          <a:effectRef idx="0">
+            <a:schemeClr val="accent1"/>
+          </a:effectRef>
+          <a:fontRef idx="minor">
+            <a:schemeClr val="lt1"/>
+          </a:fontRef>
+        </p:style>
         <p:txBody>
-          <a:bodyPr/>
+          <a:bodyPr rtlCol="0" anchor="ctr"/>
           <a:lstStyle/>
           <a:p>
+            <a:pPr algn="ctr"/>
             <a:endParaRPr lang="de-CH"/>
           </a:p>
         </p:txBody>
@@ -16927,9 +17939,22 @@
         </p:blipFill>
         <p:spPr>
           <a:xfrm>
-            <a:off x="3135313" y="2033588"/>
+            <a:off x="3173037" y="1285442"/>
             <a:ext cx="5981700" cy="3648075"/>
           </a:xfrm>
+          <a:prstGeom prst="rect">
+            <a:avLst/>
+          </a:prstGeom>
+          <a:ln>
+            <a:noFill/>
+          </a:ln>
+          <a:effectLst>
+            <a:outerShdw blurRad="292100" dist="139700" dir="2700000" algn="tl" rotWithShape="0">
+              <a:srgbClr val="333333">
+                <a:alpha val="65000"/>
+              </a:srgbClr>
+            </a:outerShdw>
+          </a:effectLst>
         </p:spPr>
       </p:pic>
     </p:spTree>
@@ -17066,15 +18091,7 @@
             </a:r>
             <a:r>
               <a:rPr lang="de-CH" sz="2000" dirty="0" smtClean="0"/>
-              <a:t>und den Farb-Attributen zu HTML (3.2) hinzugefügt wurden, brach ein Albtraum über die </a:t>
-            </a:r>
-            <a:r>
-              <a:rPr lang="de-CH" sz="2000" dirty="0" smtClean="0"/>
-              <a:t>Webentwickler herein</a:t>
-            </a:r>
-            <a:r>
-              <a:rPr lang="de-CH" sz="2000" dirty="0" smtClean="0"/>
-              <a:t>.</a:t>
+              <a:t>und den Farb-Attributen zu HTML (3.2) hinzugefügt wurden, brach ein Albtraum über die Webentwickler herein.</a:t>
             </a:r>
           </a:p>
           <a:p>
@@ -19844,9 +20861,280 @@
   <p:timing>
     <p:tnLst>
       <p:par>
-        <p:cTn id="1" dur="indefinite" restart="never" nodeType="tmRoot"/>
+        <p:cTn id="1" dur="indefinite" restart="never" nodeType="tmRoot">
+          <p:childTnLst>
+            <p:seq concurrent="1" nextAc="seek">
+              <p:cTn id="2" dur="indefinite" nodeType="mainSeq">
+                <p:childTnLst>
+                  <p:par>
+                    <p:cTn id="3" fill="hold">
+                      <p:stCondLst>
+                        <p:cond delay="indefinite"/>
+                      </p:stCondLst>
+                      <p:childTnLst>
+                        <p:par>
+                          <p:cTn id="4" fill="hold">
+                            <p:stCondLst>
+                              <p:cond delay="0"/>
+                            </p:stCondLst>
+                            <p:childTnLst>
+                              <p:par>
+                                <p:cTn id="5" presetID="1" presetClass="entr" presetSubtype="0" fill="hold" grpId="0" nodeType="clickEffect">
+                                  <p:stCondLst>
+                                    <p:cond delay="0"/>
+                                  </p:stCondLst>
+                                  <p:childTnLst>
+                                    <p:set>
+                                      <p:cBhvr>
+                                        <p:cTn id="6" dur="1" fill="hold">
+                                          <p:stCondLst>
+                                            <p:cond delay="0"/>
+                                          </p:stCondLst>
+                                        </p:cTn>
+                                        <p:tgtEl>
+                                          <p:spTgt spid="3">
+                                            <p:txEl>
+                                              <p:pRg st="0" end="0"/>
+                                            </p:txEl>
+                                          </p:spTgt>
+                                        </p:tgtEl>
+                                        <p:attrNameLst>
+                                          <p:attrName>style.visibility</p:attrName>
+                                        </p:attrNameLst>
+                                      </p:cBhvr>
+                                      <p:to>
+                                        <p:strVal val="visible"/>
+                                      </p:to>
+                                    </p:set>
+                                  </p:childTnLst>
+                                </p:cTn>
+                              </p:par>
+                            </p:childTnLst>
+                          </p:cTn>
+                        </p:par>
+                      </p:childTnLst>
+                    </p:cTn>
+                  </p:par>
+                  <p:par>
+                    <p:cTn id="7" fill="hold">
+                      <p:stCondLst>
+                        <p:cond delay="indefinite"/>
+                      </p:stCondLst>
+                      <p:childTnLst>
+                        <p:par>
+                          <p:cTn id="8" fill="hold">
+                            <p:stCondLst>
+                              <p:cond delay="0"/>
+                            </p:stCondLst>
+                            <p:childTnLst>
+                              <p:par>
+                                <p:cTn id="9" presetID="1" presetClass="entr" presetSubtype="0" fill="hold" grpId="0" nodeType="clickEffect">
+                                  <p:stCondLst>
+                                    <p:cond delay="0"/>
+                                  </p:stCondLst>
+                                  <p:childTnLst>
+                                    <p:set>
+                                      <p:cBhvr>
+                                        <p:cTn id="10" dur="1" fill="hold">
+                                          <p:stCondLst>
+                                            <p:cond delay="0"/>
+                                          </p:stCondLst>
+                                        </p:cTn>
+                                        <p:tgtEl>
+                                          <p:spTgt spid="3">
+                                            <p:txEl>
+                                              <p:pRg st="1" end="1"/>
+                                            </p:txEl>
+                                          </p:spTgt>
+                                        </p:tgtEl>
+                                        <p:attrNameLst>
+                                          <p:attrName>style.visibility</p:attrName>
+                                        </p:attrNameLst>
+                                      </p:cBhvr>
+                                      <p:to>
+                                        <p:strVal val="visible"/>
+                                      </p:to>
+                                    </p:set>
+                                  </p:childTnLst>
+                                </p:cTn>
+                              </p:par>
+                            </p:childTnLst>
+                          </p:cTn>
+                        </p:par>
+                      </p:childTnLst>
+                    </p:cTn>
+                  </p:par>
+                  <p:par>
+                    <p:cTn id="11" fill="hold">
+                      <p:stCondLst>
+                        <p:cond delay="indefinite"/>
+                      </p:stCondLst>
+                      <p:childTnLst>
+                        <p:par>
+                          <p:cTn id="12" fill="hold">
+                            <p:stCondLst>
+                              <p:cond delay="0"/>
+                            </p:stCondLst>
+                            <p:childTnLst>
+                              <p:par>
+                                <p:cTn id="13" presetID="1" presetClass="entr" presetSubtype="0" fill="hold" grpId="0" nodeType="clickEffect">
+                                  <p:stCondLst>
+                                    <p:cond delay="0"/>
+                                  </p:stCondLst>
+                                  <p:childTnLst>
+                                    <p:set>
+                                      <p:cBhvr>
+                                        <p:cTn id="14" dur="1" fill="hold">
+                                          <p:stCondLst>
+                                            <p:cond delay="0"/>
+                                          </p:stCondLst>
+                                        </p:cTn>
+                                        <p:tgtEl>
+                                          <p:spTgt spid="3">
+                                            <p:txEl>
+                                              <p:pRg st="2" end="2"/>
+                                            </p:txEl>
+                                          </p:spTgt>
+                                        </p:tgtEl>
+                                        <p:attrNameLst>
+                                          <p:attrName>style.visibility</p:attrName>
+                                        </p:attrNameLst>
+                                      </p:cBhvr>
+                                      <p:to>
+                                        <p:strVal val="visible"/>
+                                      </p:to>
+                                    </p:set>
+                                  </p:childTnLst>
+                                </p:cTn>
+                              </p:par>
+                            </p:childTnLst>
+                          </p:cTn>
+                        </p:par>
+                      </p:childTnLst>
+                    </p:cTn>
+                  </p:par>
+                  <p:par>
+                    <p:cTn id="15" fill="hold">
+                      <p:stCondLst>
+                        <p:cond delay="indefinite"/>
+                      </p:stCondLst>
+                      <p:childTnLst>
+                        <p:par>
+                          <p:cTn id="16" fill="hold">
+                            <p:stCondLst>
+                              <p:cond delay="0"/>
+                            </p:stCondLst>
+                            <p:childTnLst>
+                              <p:par>
+                                <p:cTn id="17" presetID="1" presetClass="entr" presetSubtype="0" fill="hold" grpId="0" nodeType="clickEffect">
+                                  <p:stCondLst>
+                                    <p:cond delay="0"/>
+                                  </p:stCondLst>
+                                  <p:childTnLst>
+                                    <p:set>
+                                      <p:cBhvr>
+                                        <p:cTn id="18" dur="1" fill="hold">
+                                          <p:stCondLst>
+                                            <p:cond delay="0"/>
+                                          </p:stCondLst>
+                                        </p:cTn>
+                                        <p:tgtEl>
+                                          <p:spTgt spid="3">
+                                            <p:txEl>
+                                              <p:pRg st="3" end="3"/>
+                                            </p:txEl>
+                                          </p:spTgt>
+                                        </p:tgtEl>
+                                        <p:attrNameLst>
+                                          <p:attrName>style.visibility</p:attrName>
+                                        </p:attrNameLst>
+                                      </p:cBhvr>
+                                      <p:to>
+                                        <p:strVal val="visible"/>
+                                      </p:to>
+                                    </p:set>
+                                  </p:childTnLst>
+                                </p:cTn>
+                              </p:par>
+                            </p:childTnLst>
+                          </p:cTn>
+                        </p:par>
+                      </p:childTnLst>
+                    </p:cTn>
+                  </p:par>
+                  <p:par>
+                    <p:cTn id="19" fill="hold">
+                      <p:stCondLst>
+                        <p:cond delay="indefinite"/>
+                      </p:stCondLst>
+                      <p:childTnLst>
+                        <p:par>
+                          <p:cTn id="20" fill="hold">
+                            <p:stCondLst>
+                              <p:cond delay="0"/>
+                            </p:stCondLst>
+                            <p:childTnLst>
+                              <p:par>
+                                <p:cTn id="21" presetID="1" presetClass="entr" presetSubtype="0" fill="hold" grpId="0" nodeType="clickEffect">
+                                  <p:stCondLst>
+                                    <p:cond delay="0"/>
+                                  </p:stCondLst>
+                                  <p:childTnLst>
+                                    <p:set>
+                                      <p:cBhvr>
+                                        <p:cTn id="22" dur="1" fill="hold">
+                                          <p:stCondLst>
+                                            <p:cond delay="0"/>
+                                          </p:stCondLst>
+                                        </p:cTn>
+                                        <p:tgtEl>
+                                          <p:spTgt spid="3">
+                                            <p:txEl>
+                                              <p:pRg st="4" end="4"/>
+                                            </p:txEl>
+                                          </p:spTgt>
+                                        </p:tgtEl>
+                                        <p:attrNameLst>
+                                          <p:attrName>style.visibility</p:attrName>
+                                        </p:attrNameLst>
+                                      </p:cBhvr>
+                                      <p:to>
+                                        <p:strVal val="visible"/>
+                                      </p:to>
+                                    </p:set>
+                                  </p:childTnLst>
+                                </p:cTn>
+                              </p:par>
+                            </p:childTnLst>
+                          </p:cTn>
+                        </p:par>
+                      </p:childTnLst>
+                    </p:cTn>
+                  </p:par>
+                </p:childTnLst>
+              </p:cTn>
+              <p:prevCondLst>
+                <p:cond evt="onPrev" delay="0">
+                  <p:tgtEl>
+                    <p:sldTgt/>
+                  </p:tgtEl>
+                </p:cond>
+              </p:prevCondLst>
+              <p:nextCondLst>
+                <p:cond evt="onNext" delay="0">
+                  <p:tgtEl>
+                    <p:sldTgt/>
+                  </p:tgtEl>
+                </p:cond>
+              </p:nextCondLst>
+            </p:seq>
+          </p:childTnLst>
+        </p:cTn>
       </p:par>
     </p:tnLst>
+    <p:bldLst>
+      <p:bldP spid="3" grpId="0" uiExpand="1" build="p"/>
+    </p:bldLst>
   </p:timing>
 </p:sld>
 </file>
@@ -20396,6 +21684,26 @@
 </file>
 
 <file path=customXml/item1.xml><?xml version="1.0" encoding="utf-8"?>
+<?mso-contentType ?>
+<FormTemplates xmlns="http://schemas.microsoft.com/sharepoint/v3/contenttype/forms">
+  <Display>DocumentLibraryForm</Display>
+  <Edit>DocumentLibraryForm</Edit>
+  <New>DocumentLibraryForm</New>
+</FormTemplates>
+</file>
+
+<file path=customXml/item2.xml><?xml version="1.0" encoding="utf-8"?>
+<p:properties xmlns:p="http://schemas.microsoft.com/office/2006/metadata/properties" xmlns:xsi="http://www.w3.org/2001/XMLSchema-instance" xmlns:pc="http://schemas.microsoft.com/office/infopath/2007/PartnerControls">
+  <documentManagement>
+    <DocumentType xmlns="B52DB2DB-4C79-421A-B3B5-7B3E39903FAF">Presentation</DocumentType>
+    <Tags xmlns="B52DB2DB-4C79-421A-B3B5-7B3E39903FAF"/>
+    <PublishingExpirationDate xmlns="http://schemas.microsoft.com/sharepoint/v3" xsi:nil="true"/>
+    <PublishingStartDate xmlns="http://schemas.microsoft.com/sharepoint/v3" xsi:nil="true"/>
+  </documentManagement>
+</p:properties>
+</file>
+
+<file path=customXml/item3.xml><?xml version="1.0" encoding="utf-8"?>
 <ct:contentTypeSchema xmlns:ct="http://schemas.microsoft.com/office/2006/metadata/contentType" xmlns:ma="http://schemas.microsoft.com/office/2006/metadata/properties/metaAttributes" ct:_="" ma:_="" ma:contentTypeName="Document" ma:contentTypeID="0x0101007FB88A3DE5BCC14A89FCFBE463D1D90E" ma:contentTypeVersion="1" ma:contentTypeDescription="Create a new document." ma:contentTypeScope="" ma:versionID="4d8f9a178a16463aae8556ecaad61169">
   <xsd:schema xmlns:xsd="http://www.w3.org/2001/XMLSchema" xmlns:xs="http://www.w3.org/2001/XMLSchema" xmlns:p="http://schemas.microsoft.com/office/2006/metadata/properties" xmlns:ns1="http://schemas.microsoft.com/sharepoint/v3" xmlns:ns2="B52DB2DB-4C79-421A-B3B5-7B3E39903FAF" targetNamespace="http://schemas.microsoft.com/office/2006/metadata/properties" ma:root="true" ma:fieldsID="17524f4cb64685990c7a62925d0c2ba3" ns1:_="" ns2:_="">
     <xsd:import namespace="http://schemas.microsoft.com/sharepoint/v3"/>
@@ -20577,41 +21885,10 @@
 </ct:contentTypeSchema>
 </file>
 
-<file path=customXml/item2.xml><?xml version="1.0" encoding="utf-8"?>
-<p:properties xmlns:p="http://schemas.microsoft.com/office/2006/metadata/properties" xmlns:xsi="http://www.w3.org/2001/XMLSchema-instance" xmlns:pc="http://schemas.microsoft.com/office/infopath/2007/PartnerControls">
-  <documentManagement>
-    <DocumentType xmlns="B52DB2DB-4C79-421A-B3B5-7B3E39903FAF">Presentation</DocumentType>
-    <Tags xmlns="B52DB2DB-4C79-421A-B3B5-7B3E39903FAF"/>
-    <PublishingExpirationDate xmlns="http://schemas.microsoft.com/sharepoint/v3" xsi:nil="true"/>
-    <PublishingStartDate xmlns="http://schemas.microsoft.com/sharepoint/v3" xsi:nil="true"/>
-  </documentManagement>
-</p:properties>
-</file>
-
-<file path=customXml/item3.xml><?xml version="1.0" encoding="utf-8"?>
-<?mso-contentType ?>
-<FormTemplates xmlns="http://schemas.microsoft.com/sharepoint/v3/contenttype/forms">
-  <Display>DocumentLibraryForm</Display>
-  <Edit>DocumentLibraryForm</Edit>
-  <New>DocumentLibraryForm</New>
-</FormTemplates>
-</file>
-
 <file path=customXml/itemProps1.xml><?xml version="1.0" encoding="utf-8"?>
-<ds:datastoreItem xmlns:ds="http://schemas.openxmlformats.org/officeDocument/2006/customXml" ds:itemID="{F5F1F8D9-8E62-4460-ABC9-6E0C6A11ABB7}">
+<ds:datastoreItem xmlns:ds="http://schemas.openxmlformats.org/officeDocument/2006/customXml" ds:itemID="{D408D27A-406B-4DDA-8F91-4CEE5D91D750}">
   <ds:schemaRefs>
-    <ds:schemaRef ds:uri="http://schemas.microsoft.com/office/2006/metadata/contentType"/>
-    <ds:schemaRef ds:uri="http://schemas.microsoft.com/office/2006/metadata/properties/metaAttributes"/>
-    <ds:schemaRef ds:uri="http://www.w3.org/2001/XMLSchema"/>
-    <ds:schemaRef ds:uri="http://schemas.microsoft.com/office/2006/metadata/properties"/>
-    <ds:schemaRef ds:uri="http://schemas.microsoft.com/sharepoint/v3"/>
-    <ds:schemaRef ds:uri="B52DB2DB-4C79-421A-B3B5-7B3E39903FAF"/>
-    <ds:schemaRef ds:uri="http://schemas.microsoft.com/office/2006/documentManagement/types"/>
-    <ds:schemaRef ds:uri="http://schemas.microsoft.com/office/infopath/2007/PartnerControls"/>
-    <ds:schemaRef ds:uri="http://schemas.openxmlformats.org/package/2006/metadata/core-properties"/>
-    <ds:schemaRef ds:uri="http://purl.org/dc/elements/1.1/"/>
-    <ds:schemaRef ds:uri="http://purl.org/dc/terms/"/>
-    <ds:schemaRef ds:uri="http://schemas.microsoft.com/internal/obd"/>
+    <ds:schemaRef ds:uri="http://schemas.microsoft.com/sharepoint/v3/contenttype/forms"/>
   </ds:schemaRefs>
 </ds:datastoreItem>
 </file>
@@ -20634,9 +21911,20 @@
 </file>
 
 <file path=customXml/itemProps3.xml><?xml version="1.0" encoding="utf-8"?>
-<ds:datastoreItem xmlns:ds="http://schemas.openxmlformats.org/officeDocument/2006/customXml" ds:itemID="{D408D27A-406B-4DDA-8F91-4CEE5D91D750}">
+<ds:datastoreItem xmlns:ds="http://schemas.openxmlformats.org/officeDocument/2006/customXml" ds:itemID="{F5F1F8D9-8E62-4460-ABC9-6E0C6A11ABB7}">
   <ds:schemaRefs>
-    <ds:schemaRef ds:uri="http://schemas.microsoft.com/sharepoint/v3/contenttype/forms"/>
+    <ds:schemaRef ds:uri="http://schemas.microsoft.com/office/2006/metadata/contentType"/>
+    <ds:schemaRef ds:uri="http://schemas.microsoft.com/office/2006/metadata/properties/metaAttributes"/>
+    <ds:schemaRef ds:uri="http://www.w3.org/2001/XMLSchema"/>
+    <ds:schemaRef ds:uri="http://schemas.microsoft.com/office/2006/metadata/properties"/>
+    <ds:schemaRef ds:uri="http://schemas.microsoft.com/sharepoint/v3"/>
+    <ds:schemaRef ds:uri="B52DB2DB-4C79-421A-B3B5-7B3E39903FAF"/>
+    <ds:schemaRef ds:uri="http://schemas.microsoft.com/office/2006/documentManagement/types"/>
+    <ds:schemaRef ds:uri="http://schemas.microsoft.com/office/infopath/2007/PartnerControls"/>
+    <ds:schemaRef ds:uri="http://schemas.openxmlformats.org/package/2006/metadata/core-properties"/>
+    <ds:schemaRef ds:uri="http://purl.org/dc/elements/1.1/"/>
+    <ds:schemaRef ds:uri="http://purl.org/dc/terms/"/>
+    <ds:schemaRef ds:uri="http://schemas.microsoft.com/internal/obd"/>
   </ds:schemaRefs>
 </ds:datastoreItem>
 </file>
--- a/Präsentationen/CSS.pptx
+++ b/Präsentationen/CSS.pptx
@@ -5,7 +5,7 @@
     <p:sldMasterId id="2147483660" r:id="rId4"/>
   </p:sldMasterIdLst>
   <p:notesMasterIdLst>
-    <p:notesMasterId r:id="rId31"/>
+    <p:notesMasterId r:id="rId32"/>
   </p:notesMasterIdLst>
   <p:sldIdLst>
     <p:sldId id="256" r:id="rId5"/>
@@ -31,9 +31,10 @@
     <p:sldId id="271" r:id="rId25"/>
     <p:sldId id="275" r:id="rId26"/>
     <p:sldId id="274" r:id="rId27"/>
-    <p:sldId id="277" r:id="rId28"/>
-    <p:sldId id="278" r:id="rId29"/>
-    <p:sldId id="279" r:id="rId30"/>
+    <p:sldId id="282" r:id="rId28"/>
+    <p:sldId id="277" r:id="rId29"/>
+    <p:sldId id="278" r:id="rId30"/>
+    <p:sldId id="279" r:id="rId31"/>
   </p:sldIdLst>
   <p:sldSz cx="12192000" cy="6858000"/>
   <p:notesSz cx="6858000" cy="9144000"/>
@@ -222,7 +223,7 @@
           <a:p>
             <a:fld id="{03614270-362A-4062-82C0-5646FFAE32F7}" type="datetimeFigureOut">
               <a:rPr lang="de-CH" smtClean="0"/>
-              <a:t>18.03.2015</a:t>
+              <a:t>08.04.2015</a:t>
             </a:fld>
             <a:endParaRPr lang="de-CH"/>
           </a:p>
@@ -536,7 +537,7 @@
           <a:p>
             <a:r>
               <a:rPr lang="de-CH" dirty="0" smtClean="0"/>
-              <a:t>Demo zeigen</a:t>
+              <a:t>css_einbindung.html</a:t>
             </a:r>
             <a:endParaRPr lang="de-CH" dirty="0"/>
           </a:p>
@@ -559,7 +560,7 @@
           <a:p>
             <a:fld id="{2757A091-AEE2-4DA2-90B8-7B6B6A595E0D}" type="slidenum">
               <a:rPr lang="de-CH" smtClean="0"/>
-              <a:t>10</a:t>
+              <a:t>8</a:t>
             </a:fld>
             <a:endParaRPr lang="de-CH"/>
           </a:p>
@@ -568,7 +569,102 @@
     </p:spTree>
     <p:extLst>
       <p:ext uri="{BB962C8B-B14F-4D97-AF65-F5344CB8AC3E}">
-        <p14:creationId xmlns:p14="http://schemas.microsoft.com/office/powerpoint/2010/main" val="4281701272"/>
+        <p14:creationId xmlns:p14="http://schemas.microsoft.com/office/powerpoint/2010/main" val="1377878422"/>
+      </p:ext>
+    </p:extLst>
+  </p:cSld>
+  <p:clrMapOvr>
+    <a:masterClrMapping/>
+  </p:clrMapOvr>
+</p:notes>
+</file>
+
+<file path=ppt/notesSlides/notesSlide10.xml><?xml version="1.0" encoding="utf-8"?>
+<p:notes xmlns:a="http://schemas.openxmlformats.org/drawingml/2006/main" xmlns:r="http://schemas.openxmlformats.org/officeDocument/2006/relationships" xmlns:p="http://schemas.openxmlformats.org/presentationml/2006/main">
+  <p:cSld>
+    <p:spTree>
+      <p:nvGrpSpPr>
+        <p:cNvPr id="1" name=""/>
+        <p:cNvGrpSpPr/>
+        <p:nvPr/>
+      </p:nvGrpSpPr>
+      <p:grpSpPr>
+        <a:xfrm>
+          <a:off x="0" y="0"/>
+          <a:ext cx="0" cy="0"/>
+          <a:chOff x="0" y="0"/>
+          <a:chExt cx="0" cy="0"/>
+        </a:xfrm>
+      </p:grpSpPr>
+      <p:sp>
+        <p:nvSpPr>
+          <p:cNvPr id="2" name="Folienbildplatzhalter 1"/>
+          <p:cNvSpPr>
+            <a:spLocks noGrp="1" noRot="1" noChangeAspect="1"/>
+          </p:cNvSpPr>
+          <p:nvPr>
+            <p:ph type="sldImg"/>
+          </p:nvPr>
+        </p:nvSpPr>
+        <p:spPr/>
+      </p:sp>
+      <p:sp>
+        <p:nvSpPr>
+          <p:cNvPr id="3" name="Notizenplatzhalter 2"/>
+          <p:cNvSpPr>
+            <a:spLocks noGrp="1"/>
+          </p:cNvSpPr>
+          <p:nvPr>
+            <p:ph type="body" idx="1"/>
+          </p:nvPr>
+        </p:nvSpPr>
+        <p:spPr/>
+        <p:txBody>
+          <a:bodyPr/>
+          <a:lstStyle/>
+          <a:p>
+            <a:r>
+              <a:rPr lang="de-CH" dirty="0" err="1" smtClean="0"/>
+              <a:t>demo</a:t>
+            </a:r>
+            <a:endParaRPr lang="de-CH" dirty="0" smtClean="0"/>
+          </a:p>
+          <a:p>
+            <a:r>
+              <a:rPr lang="de-CH" dirty="0" smtClean="0"/>
+              <a:t>css_display.html</a:t>
+            </a:r>
+            <a:endParaRPr lang="de-CH" dirty="0"/>
+          </a:p>
+        </p:txBody>
+      </p:sp>
+      <p:sp>
+        <p:nvSpPr>
+          <p:cNvPr id="4" name="Foliennummernplatzhalter 3"/>
+          <p:cNvSpPr>
+            <a:spLocks noGrp="1"/>
+          </p:cNvSpPr>
+          <p:nvPr>
+            <p:ph type="sldNum" sz="quarter" idx="10"/>
+          </p:nvPr>
+        </p:nvSpPr>
+        <p:spPr/>
+        <p:txBody>
+          <a:bodyPr/>
+          <a:lstStyle/>
+          <a:p>
+            <a:fld id="{2757A091-AEE2-4DA2-90B8-7B6B6A595E0D}" type="slidenum">
+              <a:rPr lang="de-CH" smtClean="0"/>
+              <a:t>24</a:t>
+            </a:fld>
+            <a:endParaRPr lang="de-CH"/>
+          </a:p>
+        </p:txBody>
+      </p:sp>
+    </p:spTree>
+    <p:extLst>
+      <p:ext uri="{BB962C8B-B14F-4D97-AF65-F5344CB8AC3E}">
+        <p14:creationId xmlns:p14="http://schemas.microsoft.com/office/powerpoint/2010/main" val="18809279"/>
       </p:ext>
     </p:extLst>
   </p:cSld>
@@ -647,6 +743,94 @@
           <a:p>
             <a:fld id="{2757A091-AEE2-4DA2-90B8-7B6B6A595E0D}" type="slidenum">
               <a:rPr lang="de-CH" smtClean="0"/>
+              <a:t>10</a:t>
+            </a:fld>
+            <a:endParaRPr lang="de-CH"/>
+          </a:p>
+        </p:txBody>
+      </p:sp>
+    </p:spTree>
+    <p:extLst>
+      <p:ext uri="{BB962C8B-B14F-4D97-AF65-F5344CB8AC3E}">
+        <p14:creationId xmlns:p14="http://schemas.microsoft.com/office/powerpoint/2010/main" val="4281701272"/>
+      </p:ext>
+    </p:extLst>
+  </p:cSld>
+  <p:clrMapOvr>
+    <a:masterClrMapping/>
+  </p:clrMapOvr>
+</p:notes>
+</file>
+
+<file path=ppt/notesSlides/notesSlide3.xml><?xml version="1.0" encoding="utf-8"?>
+<p:notes xmlns:a="http://schemas.openxmlformats.org/drawingml/2006/main" xmlns:r="http://schemas.openxmlformats.org/officeDocument/2006/relationships" xmlns:p="http://schemas.openxmlformats.org/presentationml/2006/main">
+  <p:cSld>
+    <p:spTree>
+      <p:nvGrpSpPr>
+        <p:cNvPr id="1" name=""/>
+        <p:cNvGrpSpPr/>
+        <p:nvPr/>
+      </p:nvGrpSpPr>
+      <p:grpSpPr>
+        <a:xfrm>
+          <a:off x="0" y="0"/>
+          <a:ext cx="0" cy="0"/>
+          <a:chOff x="0" y="0"/>
+          <a:chExt cx="0" cy="0"/>
+        </a:xfrm>
+      </p:grpSpPr>
+      <p:sp>
+        <p:nvSpPr>
+          <p:cNvPr id="2" name="Folienbildplatzhalter 1"/>
+          <p:cNvSpPr>
+            <a:spLocks noGrp="1" noRot="1" noChangeAspect="1"/>
+          </p:cNvSpPr>
+          <p:nvPr>
+            <p:ph type="sldImg"/>
+          </p:nvPr>
+        </p:nvSpPr>
+        <p:spPr/>
+      </p:sp>
+      <p:sp>
+        <p:nvSpPr>
+          <p:cNvPr id="3" name="Notizenplatzhalter 2"/>
+          <p:cNvSpPr>
+            <a:spLocks noGrp="1"/>
+          </p:cNvSpPr>
+          <p:nvPr>
+            <p:ph type="body" idx="1"/>
+          </p:nvPr>
+        </p:nvSpPr>
+        <p:spPr/>
+        <p:txBody>
+          <a:bodyPr/>
+          <a:lstStyle/>
+          <a:p>
+            <a:r>
+              <a:rPr lang="de-CH" dirty="0" smtClean="0"/>
+              <a:t>Demo zeigen</a:t>
+            </a:r>
+            <a:endParaRPr lang="de-CH" dirty="0"/>
+          </a:p>
+        </p:txBody>
+      </p:sp>
+      <p:sp>
+        <p:nvSpPr>
+          <p:cNvPr id="4" name="Foliennummernplatzhalter 3"/>
+          <p:cNvSpPr>
+            <a:spLocks noGrp="1"/>
+          </p:cNvSpPr>
+          <p:nvPr>
+            <p:ph type="sldNum" sz="quarter" idx="10"/>
+          </p:nvPr>
+        </p:nvSpPr>
+        <p:spPr/>
+        <p:txBody>
+          <a:bodyPr/>
+          <a:lstStyle/>
+          <a:p>
+            <a:fld id="{2757A091-AEE2-4DA2-90B8-7B6B6A595E0D}" type="slidenum">
+              <a:rPr lang="de-CH" smtClean="0"/>
               <a:t>11</a:t>
             </a:fld>
             <a:endParaRPr lang="de-CH"/>
@@ -657,6 +841,553 @@
     <p:extLst>
       <p:ext uri="{BB962C8B-B14F-4D97-AF65-F5344CB8AC3E}">
         <p14:creationId xmlns:p14="http://schemas.microsoft.com/office/powerpoint/2010/main" val="2311298544"/>
+      </p:ext>
+    </p:extLst>
+  </p:cSld>
+  <p:clrMapOvr>
+    <a:masterClrMapping/>
+  </p:clrMapOvr>
+</p:notes>
+</file>
+
+<file path=ppt/notesSlides/notesSlide4.xml><?xml version="1.0" encoding="utf-8"?>
+<p:notes xmlns:a="http://schemas.openxmlformats.org/drawingml/2006/main" xmlns:r="http://schemas.openxmlformats.org/officeDocument/2006/relationships" xmlns:p="http://schemas.openxmlformats.org/presentationml/2006/main">
+  <p:cSld>
+    <p:spTree>
+      <p:nvGrpSpPr>
+        <p:cNvPr id="1" name=""/>
+        <p:cNvGrpSpPr/>
+        <p:nvPr/>
+      </p:nvGrpSpPr>
+      <p:grpSpPr>
+        <a:xfrm>
+          <a:off x="0" y="0"/>
+          <a:ext cx="0" cy="0"/>
+          <a:chOff x="0" y="0"/>
+          <a:chExt cx="0" cy="0"/>
+        </a:xfrm>
+      </p:grpSpPr>
+      <p:sp>
+        <p:nvSpPr>
+          <p:cNvPr id="2" name="Folienbildplatzhalter 1"/>
+          <p:cNvSpPr>
+            <a:spLocks noGrp="1" noRot="1" noChangeAspect="1"/>
+          </p:cNvSpPr>
+          <p:nvPr>
+            <p:ph type="sldImg"/>
+          </p:nvPr>
+        </p:nvSpPr>
+        <p:spPr/>
+      </p:sp>
+      <p:sp>
+        <p:nvSpPr>
+          <p:cNvPr id="3" name="Notizenplatzhalter 2"/>
+          <p:cNvSpPr>
+            <a:spLocks noGrp="1"/>
+          </p:cNvSpPr>
+          <p:nvPr>
+            <p:ph type="body" idx="1"/>
+          </p:nvPr>
+        </p:nvSpPr>
+        <p:spPr/>
+        <p:txBody>
+          <a:bodyPr/>
+          <a:lstStyle/>
+          <a:p>
+            <a:r>
+              <a:rPr lang="de-CH" dirty="0" smtClean="0"/>
+              <a:t>css_selectors.html</a:t>
+            </a:r>
+            <a:endParaRPr lang="de-CH" dirty="0"/>
+          </a:p>
+        </p:txBody>
+      </p:sp>
+      <p:sp>
+        <p:nvSpPr>
+          <p:cNvPr id="4" name="Foliennummernplatzhalter 3"/>
+          <p:cNvSpPr>
+            <a:spLocks noGrp="1"/>
+          </p:cNvSpPr>
+          <p:nvPr>
+            <p:ph type="sldNum" sz="quarter" idx="10"/>
+          </p:nvPr>
+        </p:nvSpPr>
+        <p:spPr/>
+        <p:txBody>
+          <a:bodyPr/>
+          <a:lstStyle/>
+          <a:p>
+            <a:fld id="{2757A091-AEE2-4DA2-90B8-7B6B6A595E0D}" type="slidenum">
+              <a:rPr lang="de-CH" smtClean="0"/>
+              <a:t>15</a:t>
+            </a:fld>
+            <a:endParaRPr lang="de-CH"/>
+          </a:p>
+        </p:txBody>
+      </p:sp>
+    </p:spTree>
+    <p:extLst>
+      <p:ext uri="{BB962C8B-B14F-4D97-AF65-F5344CB8AC3E}">
+        <p14:creationId xmlns:p14="http://schemas.microsoft.com/office/powerpoint/2010/main" val="2106035093"/>
+      </p:ext>
+    </p:extLst>
+  </p:cSld>
+  <p:clrMapOvr>
+    <a:masterClrMapping/>
+  </p:clrMapOvr>
+</p:notes>
+</file>
+
+<file path=ppt/notesSlides/notesSlide5.xml><?xml version="1.0" encoding="utf-8"?>
+<p:notes xmlns:a="http://schemas.openxmlformats.org/drawingml/2006/main" xmlns:r="http://schemas.openxmlformats.org/officeDocument/2006/relationships" xmlns:p="http://schemas.openxmlformats.org/presentationml/2006/main">
+  <p:cSld>
+    <p:spTree>
+      <p:nvGrpSpPr>
+        <p:cNvPr id="1" name=""/>
+        <p:cNvGrpSpPr/>
+        <p:nvPr/>
+      </p:nvGrpSpPr>
+      <p:grpSpPr>
+        <a:xfrm>
+          <a:off x="0" y="0"/>
+          <a:ext cx="0" cy="0"/>
+          <a:chOff x="0" y="0"/>
+          <a:chExt cx="0" cy="0"/>
+        </a:xfrm>
+      </p:grpSpPr>
+      <p:sp>
+        <p:nvSpPr>
+          <p:cNvPr id="2" name="Folienbildplatzhalter 1"/>
+          <p:cNvSpPr>
+            <a:spLocks noGrp="1" noRot="1" noChangeAspect="1"/>
+          </p:cNvSpPr>
+          <p:nvPr>
+            <p:ph type="sldImg"/>
+          </p:nvPr>
+        </p:nvSpPr>
+        <p:spPr/>
+      </p:sp>
+      <p:sp>
+        <p:nvSpPr>
+          <p:cNvPr id="3" name="Notizenplatzhalter 2"/>
+          <p:cNvSpPr>
+            <a:spLocks noGrp="1"/>
+          </p:cNvSpPr>
+          <p:nvPr>
+            <p:ph type="body" idx="1"/>
+          </p:nvPr>
+        </p:nvSpPr>
+        <p:spPr/>
+        <p:txBody>
+          <a:bodyPr/>
+          <a:lstStyle/>
+          <a:p>
+            <a:r>
+              <a:rPr lang="de-CH" dirty="0" smtClean="0"/>
+              <a:t>css_inheritance.html</a:t>
+            </a:r>
+            <a:endParaRPr lang="de-CH" dirty="0"/>
+          </a:p>
+        </p:txBody>
+      </p:sp>
+      <p:sp>
+        <p:nvSpPr>
+          <p:cNvPr id="4" name="Foliennummernplatzhalter 3"/>
+          <p:cNvSpPr>
+            <a:spLocks noGrp="1"/>
+          </p:cNvSpPr>
+          <p:nvPr>
+            <p:ph type="sldNum" sz="quarter" idx="10"/>
+          </p:nvPr>
+        </p:nvSpPr>
+        <p:spPr/>
+        <p:txBody>
+          <a:bodyPr/>
+          <a:lstStyle/>
+          <a:p>
+            <a:fld id="{2757A091-AEE2-4DA2-90B8-7B6B6A595E0D}" type="slidenum">
+              <a:rPr lang="de-CH" smtClean="0"/>
+              <a:t>16</a:t>
+            </a:fld>
+            <a:endParaRPr lang="de-CH"/>
+          </a:p>
+        </p:txBody>
+      </p:sp>
+    </p:spTree>
+    <p:extLst>
+      <p:ext uri="{BB962C8B-B14F-4D97-AF65-F5344CB8AC3E}">
+        <p14:creationId xmlns:p14="http://schemas.microsoft.com/office/powerpoint/2010/main" val="2985553332"/>
+      </p:ext>
+    </p:extLst>
+  </p:cSld>
+  <p:clrMapOvr>
+    <a:masterClrMapping/>
+  </p:clrMapOvr>
+</p:notes>
+</file>
+
+<file path=ppt/notesSlides/notesSlide6.xml><?xml version="1.0" encoding="utf-8"?>
+<p:notes xmlns:a="http://schemas.openxmlformats.org/drawingml/2006/main" xmlns:r="http://schemas.openxmlformats.org/officeDocument/2006/relationships" xmlns:p="http://schemas.openxmlformats.org/presentationml/2006/main">
+  <p:cSld>
+    <p:spTree>
+      <p:nvGrpSpPr>
+        <p:cNvPr id="1" name=""/>
+        <p:cNvGrpSpPr/>
+        <p:nvPr/>
+      </p:nvGrpSpPr>
+      <p:grpSpPr>
+        <a:xfrm>
+          <a:off x="0" y="0"/>
+          <a:ext cx="0" cy="0"/>
+          <a:chOff x="0" y="0"/>
+          <a:chExt cx="0" cy="0"/>
+        </a:xfrm>
+      </p:grpSpPr>
+      <p:sp>
+        <p:nvSpPr>
+          <p:cNvPr id="2" name="Folienbildplatzhalter 1"/>
+          <p:cNvSpPr>
+            <a:spLocks noGrp="1" noRot="1" noChangeAspect="1"/>
+          </p:cNvSpPr>
+          <p:nvPr>
+            <p:ph type="sldImg"/>
+          </p:nvPr>
+        </p:nvSpPr>
+        <p:spPr/>
+      </p:sp>
+      <p:sp>
+        <p:nvSpPr>
+          <p:cNvPr id="3" name="Notizenplatzhalter 2"/>
+          <p:cNvSpPr>
+            <a:spLocks noGrp="1"/>
+          </p:cNvSpPr>
+          <p:nvPr>
+            <p:ph type="body" idx="1"/>
+          </p:nvPr>
+        </p:nvSpPr>
+        <p:spPr/>
+        <p:txBody>
+          <a:bodyPr/>
+          <a:lstStyle/>
+          <a:p>
+            <a:r>
+              <a:rPr lang="de-CH" dirty="0" smtClean="0"/>
+              <a:t>css_dimension.html</a:t>
+            </a:r>
+            <a:endParaRPr lang="de-CH" dirty="0"/>
+          </a:p>
+        </p:txBody>
+      </p:sp>
+      <p:sp>
+        <p:nvSpPr>
+          <p:cNvPr id="4" name="Foliennummernplatzhalter 3"/>
+          <p:cNvSpPr>
+            <a:spLocks noGrp="1"/>
+          </p:cNvSpPr>
+          <p:nvPr>
+            <p:ph type="sldNum" sz="quarter" idx="10"/>
+          </p:nvPr>
+        </p:nvSpPr>
+        <p:spPr/>
+        <p:txBody>
+          <a:bodyPr/>
+          <a:lstStyle/>
+          <a:p>
+            <a:fld id="{2757A091-AEE2-4DA2-90B8-7B6B6A595E0D}" type="slidenum">
+              <a:rPr lang="de-CH" smtClean="0"/>
+              <a:t>19</a:t>
+            </a:fld>
+            <a:endParaRPr lang="de-CH"/>
+          </a:p>
+        </p:txBody>
+      </p:sp>
+    </p:spTree>
+    <p:extLst>
+      <p:ext uri="{BB962C8B-B14F-4D97-AF65-F5344CB8AC3E}">
+        <p14:creationId xmlns:p14="http://schemas.microsoft.com/office/powerpoint/2010/main" val="1801404561"/>
+      </p:ext>
+    </p:extLst>
+  </p:cSld>
+  <p:clrMapOvr>
+    <a:masterClrMapping/>
+  </p:clrMapOvr>
+</p:notes>
+</file>
+
+<file path=ppt/notesSlides/notesSlide7.xml><?xml version="1.0" encoding="utf-8"?>
+<p:notes xmlns:a="http://schemas.openxmlformats.org/drawingml/2006/main" xmlns:r="http://schemas.openxmlformats.org/officeDocument/2006/relationships" xmlns:p="http://schemas.openxmlformats.org/presentationml/2006/main">
+  <p:cSld>
+    <p:spTree>
+      <p:nvGrpSpPr>
+        <p:cNvPr id="1" name=""/>
+        <p:cNvGrpSpPr/>
+        <p:nvPr/>
+      </p:nvGrpSpPr>
+      <p:grpSpPr>
+        <a:xfrm>
+          <a:off x="0" y="0"/>
+          <a:ext cx="0" cy="0"/>
+          <a:chOff x="0" y="0"/>
+          <a:chExt cx="0" cy="0"/>
+        </a:xfrm>
+      </p:grpSpPr>
+      <p:sp>
+        <p:nvSpPr>
+          <p:cNvPr id="2" name="Folienbildplatzhalter 1"/>
+          <p:cNvSpPr>
+            <a:spLocks noGrp="1" noRot="1" noChangeAspect="1"/>
+          </p:cNvSpPr>
+          <p:nvPr>
+            <p:ph type="sldImg"/>
+          </p:nvPr>
+        </p:nvSpPr>
+        <p:spPr/>
+      </p:sp>
+      <p:sp>
+        <p:nvSpPr>
+          <p:cNvPr id="3" name="Notizenplatzhalter 2"/>
+          <p:cNvSpPr>
+            <a:spLocks noGrp="1"/>
+          </p:cNvSpPr>
+          <p:nvPr>
+            <p:ph type="body" idx="1"/>
+          </p:nvPr>
+        </p:nvSpPr>
+        <p:spPr/>
+        <p:txBody>
+          <a:bodyPr/>
+          <a:lstStyle/>
+          <a:p>
+            <a:r>
+              <a:rPr lang="de-CH" dirty="0" smtClean="0"/>
+              <a:t>css_boxmodel.html</a:t>
+            </a:r>
+            <a:endParaRPr lang="de-CH" dirty="0"/>
+          </a:p>
+        </p:txBody>
+      </p:sp>
+      <p:sp>
+        <p:nvSpPr>
+          <p:cNvPr id="4" name="Foliennummernplatzhalter 3"/>
+          <p:cNvSpPr>
+            <a:spLocks noGrp="1"/>
+          </p:cNvSpPr>
+          <p:nvPr>
+            <p:ph type="sldNum" sz="quarter" idx="10"/>
+          </p:nvPr>
+        </p:nvSpPr>
+        <p:spPr/>
+        <p:txBody>
+          <a:bodyPr/>
+          <a:lstStyle/>
+          <a:p>
+            <a:fld id="{2757A091-AEE2-4DA2-90B8-7B6B6A595E0D}" type="slidenum">
+              <a:rPr lang="de-CH" smtClean="0"/>
+              <a:t>20</a:t>
+            </a:fld>
+            <a:endParaRPr lang="de-CH"/>
+          </a:p>
+        </p:txBody>
+      </p:sp>
+    </p:spTree>
+    <p:extLst>
+      <p:ext uri="{BB962C8B-B14F-4D97-AF65-F5344CB8AC3E}">
+        <p14:creationId xmlns:p14="http://schemas.microsoft.com/office/powerpoint/2010/main" val="114789478"/>
+      </p:ext>
+    </p:extLst>
+  </p:cSld>
+  <p:clrMapOvr>
+    <a:masterClrMapping/>
+  </p:clrMapOvr>
+</p:notes>
+</file>
+
+<file path=ppt/notesSlides/notesSlide8.xml><?xml version="1.0" encoding="utf-8"?>
+<p:notes xmlns:a="http://schemas.openxmlformats.org/drawingml/2006/main" xmlns:r="http://schemas.openxmlformats.org/officeDocument/2006/relationships" xmlns:p="http://schemas.openxmlformats.org/presentationml/2006/main">
+  <p:cSld>
+    <p:spTree>
+      <p:nvGrpSpPr>
+        <p:cNvPr id="1" name=""/>
+        <p:cNvGrpSpPr/>
+        <p:nvPr/>
+      </p:nvGrpSpPr>
+      <p:grpSpPr>
+        <a:xfrm>
+          <a:off x="0" y="0"/>
+          <a:ext cx="0" cy="0"/>
+          <a:chOff x="0" y="0"/>
+          <a:chExt cx="0" cy="0"/>
+        </a:xfrm>
+      </p:grpSpPr>
+      <p:sp>
+        <p:nvSpPr>
+          <p:cNvPr id="2" name="Folienbildplatzhalter 1"/>
+          <p:cNvSpPr>
+            <a:spLocks noGrp="1" noRot="1" noChangeAspect="1"/>
+          </p:cNvSpPr>
+          <p:nvPr>
+            <p:ph type="sldImg"/>
+          </p:nvPr>
+        </p:nvSpPr>
+        <p:spPr/>
+      </p:sp>
+      <p:sp>
+        <p:nvSpPr>
+          <p:cNvPr id="3" name="Notizenplatzhalter 2"/>
+          <p:cNvSpPr>
+            <a:spLocks noGrp="1"/>
+          </p:cNvSpPr>
+          <p:nvPr>
+            <p:ph type="body" idx="1"/>
+          </p:nvPr>
+        </p:nvSpPr>
+        <p:spPr/>
+        <p:txBody>
+          <a:bodyPr/>
+          <a:lstStyle/>
+          <a:p>
+            <a:endParaRPr lang="de-CH" dirty="0"/>
+          </a:p>
+        </p:txBody>
+      </p:sp>
+      <p:sp>
+        <p:nvSpPr>
+          <p:cNvPr id="4" name="Foliennummernplatzhalter 3"/>
+          <p:cNvSpPr>
+            <a:spLocks noGrp="1"/>
+          </p:cNvSpPr>
+          <p:nvPr>
+            <p:ph type="sldNum" sz="quarter" idx="10"/>
+          </p:nvPr>
+        </p:nvSpPr>
+        <p:spPr/>
+        <p:txBody>
+          <a:bodyPr/>
+          <a:lstStyle/>
+          <a:p>
+            <a:fld id="{2757A091-AEE2-4DA2-90B8-7B6B6A595E0D}" type="slidenum">
+              <a:rPr lang="de-CH" smtClean="0"/>
+              <a:t>22</a:t>
+            </a:fld>
+            <a:endParaRPr lang="de-CH"/>
+          </a:p>
+        </p:txBody>
+      </p:sp>
+    </p:spTree>
+    <p:extLst>
+      <p:ext uri="{BB962C8B-B14F-4D97-AF65-F5344CB8AC3E}">
+        <p14:creationId xmlns:p14="http://schemas.microsoft.com/office/powerpoint/2010/main" val="572748408"/>
+      </p:ext>
+    </p:extLst>
+  </p:cSld>
+  <p:clrMapOvr>
+    <a:masterClrMapping/>
+  </p:clrMapOvr>
+</p:notes>
+</file>
+
+<file path=ppt/notesSlides/notesSlide9.xml><?xml version="1.0" encoding="utf-8"?>
+<p:notes xmlns:a="http://schemas.openxmlformats.org/drawingml/2006/main" xmlns:r="http://schemas.openxmlformats.org/officeDocument/2006/relationships" xmlns:p="http://schemas.openxmlformats.org/presentationml/2006/main">
+  <p:cSld>
+    <p:spTree>
+      <p:nvGrpSpPr>
+        <p:cNvPr id="1" name=""/>
+        <p:cNvGrpSpPr/>
+        <p:nvPr/>
+      </p:nvGrpSpPr>
+      <p:grpSpPr>
+        <a:xfrm>
+          <a:off x="0" y="0"/>
+          <a:ext cx="0" cy="0"/>
+          <a:chOff x="0" y="0"/>
+          <a:chExt cx="0" cy="0"/>
+        </a:xfrm>
+      </p:grpSpPr>
+      <p:sp>
+        <p:nvSpPr>
+          <p:cNvPr id="2" name="Folienbildplatzhalter 1"/>
+          <p:cNvSpPr>
+            <a:spLocks noGrp="1" noRot="1" noChangeAspect="1"/>
+          </p:cNvSpPr>
+          <p:nvPr>
+            <p:ph type="sldImg"/>
+          </p:nvPr>
+        </p:nvSpPr>
+        <p:spPr/>
+      </p:sp>
+      <p:sp>
+        <p:nvSpPr>
+          <p:cNvPr id="3" name="Notizenplatzhalter 2"/>
+          <p:cNvSpPr>
+            <a:spLocks noGrp="1"/>
+          </p:cNvSpPr>
+          <p:nvPr>
+            <p:ph type="body" idx="1"/>
+          </p:nvPr>
+        </p:nvSpPr>
+        <p:spPr/>
+        <p:txBody>
+          <a:bodyPr/>
+          <a:lstStyle/>
+          <a:p>
+            <a:r>
+              <a:rPr lang="de-CH" dirty="0" err="1" smtClean="0"/>
+              <a:t>css</a:t>
+            </a:r>
+            <a:r>
+              <a:rPr lang="de-CH" dirty="0" smtClean="0"/>
+              <a:t> </a:t>
+            </a:r>
+            <a:r>
+              <a:rPr lang="de-CH" dirty="0" err="1" smtClean="0"/>
+              <a:t>positioning</a:t>
+            </a:r>
+            <a:r>
+              <a:rPr lang="de-CH" baseline="0" dirty="0" smtClean="0"/>
+              <a:t> </a:t>
+            </a:r>
+            <a:r>
+              <a:rPr lang="de-CH" baseline="0" dirty="0" err="1" smtClean="0"/>
+              <a:t>demo</a:t>
+            </a:r>
+            <a:endParaRPr lang="de-CH" baseline="0" dirty="0" smtClean="0"/>
+          </a:p>
+          <a:p>
+            <a:r>
+              <a:rPr lang="de-CH" baseline="0" dirty="0" smtClean="0"/>
+              <a:t>css_positioning.html</a:t>
+            </a:r>
+            <a:endParaRPr lang="de-CH" dirty="0"/>
+          </a:p>
+        </p:txBody>
+      </p:sp>
+      <p:sp>
+        <p:nvSpPr>
+          <p:cNvPr id="4" name="Foliennummernplatzhalter 3"/>
+          <p:cNvSpPr>
+            <a:spLocks noGrp="1"/>
+          </p:cNvSpPr>
+          <p:nvPr>
+            <p:ph type="sldNum" sz="quarter" idx="10"/>
+          </p:nvPr>
+        </p:nvSpPr>
+        <p:spPr/>
+        <p:txBody>
+          <a:bodyPr/>
+          <a:lstStyle/>
+          <a:p>
+            <a:fld id="{2757A091-AEE2-4DA2-90B8-7B6B6A595E0D}" type="slidenum">
+              <a:rPr lang="de-CH" smtClean="0"/>
+              <a:t>23</a:t>
+            </a:fld>
+            <a:endParaRPr lang="de-CH"/>
+          </a:p>
+        </p:txBody>
+      </p:sp>
+    </p:spTree>
+    <p:extLst>
+      <p:ext uri="{BB962C8B-B14F-4D97-AF65-F5344CB8AC3E}">
+        <p14:creationId xmlns:p14="http://schemas.microsoft.com/office/powerpoint/2010/main" val="3459614242"/>
       </p:ext>
     </p:extLst>
   </p:cSld>
@@ -892,7 +1623,7 @@
           <a:p>
             <a:fld id="{18B6C74E-B752-46C0-9CA8-3BFAC7AE4FEA}" type="datetimeFigureOut">
               <a:rPr lang="de-CH" smtClean="0"/>
-              <a:t>18.03.2015</a:t>
+              <a:t>08.04.2015</a:t>
             </a:fld>
             <a:endParaRPr lang="de-CH"/>
           </a:p>
@@ -1100,7 +1831,7 @@
           <a:p>
             <a:fld id="{18B6C74E-B752-46C0-9CA8-3BFAC7AE4FEA}" type="datetimeFigureOut">
               <a:rPr lang="de-CH" smtClean="0"/>
-              <a:t>18.03.2015</a:t>
+              <a:t>08.04.2015</a:t>
             </a:fld>
             <a:endParaRPr lang="de-CH"/>
           </a:p>
@@ -1356,7 +2087,7 @@
           <a:p>
             <a:fld id="{18B6C74E-B752-46C0-9CA8-3BFAC7AE4FEA}" type="datetimeFigureOut">
               <a:rPr lang="de-CH" smtClean="0"/>
-              <a:t>18.03.2015</a:t>
+              <a:t>08.04.2015</a:t>
             </a:fld>
             <a:endParaRPr lang="de-CH"/>
           </a:p>
@@ -1530,7 +2261,7 @@
           <a:p>
             <a:fld id="{18B6C74E-B752-46C0-9CA8-3BFAC7AE4FEA}" type="datetimeFigureOut">
               <a:rPr lang="de-CH" smtClean="0"/>
-              <a:t>18.03.2015</a:t>
+              <a:t>08.04.2015</a:t>
             </a:fld>
             <a:endParaRPr lang="de-CH"/>
           </a:p>
@@ -1873,7 +2604,7 @@
           <a:p>
             <a:fld id="{18B6C74E-B752-46C0-9CA8-3BFAC7AE4FEA}" type="datetimeFigureOut">
               <a:rPr lang="de-CH" smtClean="0"/>
-              <a:t>18.03.2015</a:t>
+              <a:t>08.04.2015</a:t>
             </a:fld>
             <a:endParaRPr lang="de-CH"/>
           </a:p>
@@ -2148,7 +2879,7 @@
           <a:p>
             <a:fld id="{18B6C74E-B752-46C0-9CA8-3BFAC7AE4FEA}" type="datetimeFigureOut">
               <a:rPr lang="de-CH" smtClean="0"/>
-              <a:t>18.03.2015</a:t>
+              <a:t>08.04.2015</a:t>
             </a:fld>
             <a:endParaRPr lang="de-CH"/>
           </a:p>
@@ -2527,7 +3258,7 @@
           <a:p>
             <a:fld id="{18B6C74E-B752-46C0-9CA8-3BFAC7AE4FEA}" type="datetimeFigureOut">
               <a:rPr lang="de-CH" smtClean="0"/>
-              <a:t>18.03.2015</a:t>
+              <a:t>08.04.2015</a:t>
             </a:fld>
             <a:endParaRPr lang="de-CH"/>
           </a:p>
@@ -2645,7 +3376,7 @@
           <a:p>
             <a:fld id="{18B6C74E-B752-46C0-9CA8-3BFAC7AE4FEA}" type="datetimeFigureOut">
               <a:rPr lang="de-CH" smtClean="0"/>
-              <a:t>18.03.2015</a:t>
+              <a:t>08.04.2015</a:t>
             </a:fld>
             <a:endParaRPr lang="de-CH"/>
           </a:p>
@@ -2816,7 +3547,7 @@
           <a:p>
             <a:fld id="{18B6C74E-B752-46C0-9CA8-3BFAC7AE4FEA}" type="datetimeFigureOut">
               <a:rPr lang="de-CH" smtClean="0"/>
-              <a:t>18.03.2015</a:t>
+              <a:t>08.04.2015</a:t>
             </a:fld>
             <a:endParaRPr lang="de-CH"/>
           </a:p>
@@ -3170,7 +3901,7 @@
           <a:p>
             <a:fld id="{18B6C74E-B752-46C0-9CA8-3BFAC7AE4FEA}" type="datetimeFigureOut">
               <a:rPr lang="de-CH" smtClean="0"/>
-              <a:t>18.03.2015</a:t>
+              <a:t>08.04.2015</a:t>
             </a:fld>
             <a:endParaRPr lang="de-CH"/>
           </a:p>
@@ -3552,7 +4283,7 @@
           <a:p>
             <a:fld id="{18B6C74E-B752-46C0-9CA8-3BFAC7AE4FEA}" type="datetimeFigureOut">
               <a:rPr lang="de-CH" smtClean="0"/>
-              <a:t>18.03.2015</a:t>
+              <a:t>08.04.2015</a:t>
             </a:fld>
             <a:endParaRPr lang="de-CH"/>
           </a:p>
@@ -3839,7 +4570,7 @@
           <a:p>
             <a:fld id="{18B6C74E-B752-46C0-9CA8-3BFAC7AE4FEA}" type="datetimeFigureOut">
               <a:rPr lang="de-CH" smtClean="0"/>
-              <a:t>18.03.2015</a:t>
+              <a:t>08.04.2015</a:t>
             </a:fld>
             <a:endParaRPr lang="de-CH"/>
           </a:p>
@@ -4506,11 +5237,7 @@
             </a:pPr>
             <a:r>
               <a:rPr lang="de-CH" dirty="0" smtClean="0"/>
-              <a:t>Der </a:t>
-            </a:r>
-            <a:r>
-              <a:rPr lang="de-CH" dirty="0" smtClean="0"/>
-              <a:t>Code</a:t>
+              <a:t>Der Code</a:t>
             </a:r>
           </a:p>
           <a:p>
@@ -14023,7 +14750,7 @@
         </p:nvSpPr>
         <p:spPr>
           <a:xfrm>
-            <a:off x="838200" y="1615039"/>
+            <a:off x="838200" y="1889675"/>
             <a:ext cx="6051657" cy="369332"/>
           </a:xfrm>
           <a:prstGeom prst="rect">
@@ -14541,7 +15268,7 @@
         </p:nvSpPr>
         <p:spPr>
           <a:xfrm>
-            <a:off x="838200" y="1357318"/>
+            <a:off x="838200" y="1795468"/>
             <a:ext cx="3727302" cy="1477328"/>
           </a:xfrm>
           <a:prstGeom prst="rect">
@@ -15161,6 +15888,494 @@
           <a:p>
             <a:r>
               <a:rPr lang="de-CH" dirty="0" smtClean="0"/>
+              <a:t>Block und Inline</a:t>
+            </a:r>
+            <a:endParaRPr lang="de-CH" dirty="0"/>
+          </a:p>
+        </p:txBody>
+      </p:sp>
+      <p:sp>
+        <p:nvSpPr>
+          <p:cNvPr id="4" name="Rechteck 3"/>
+          <p:cNvSpPr/>
+          <p:nvPr/>
+        </p:nvSpPr>
+        <p:spPr>
+          <a:xfrm>
+            <a:off x="1097280" y="2941043"/>
+            <a:ext cx="3212739" cy="369332"/>
+          </a:xfrm>
+          <a:prstGeom prst="rect">
+            <a:avLst/>
+          </a:prstGeom>
+        </p:spPr>
+        <p:txBody>
+          <a:bodyPr wrap="none">
+            <a:spAutoFit/>
+          </a:bodyPr>
+          <a:lstStyle/>
+          <a:p>
+            <a:r>
+              <a:rPr lang="de-CH" dirty="0">
+                <a:solidFill>
+                  <a:srgbClr val="0000FF"/>
+                </a:solidFill>
+                <a:latin typeface="Batang" panose="02030600000101010101" pitchFamily="18" charset="-127"/>
+                <a:ea typeface="Batang" panose="02030600000101010101" pitchFamily="18" charset="-127"/>
+              </a:rPr>
+              <a:t>div </a:t>
+            </a:r>
+            <a:r>
+              <a:rPr lang="de-CH" b="1" dirty="0">
+                <a:solidFill>
+                  <a:srgbClr val="000000"/>
+                </a:solidFill>
+                <a:latin typeface="Courier New" panose="02070309020205020404" pitchFamily="49" charset="0"/>
+              </a:rPr>
+              <a:t>{</a:t>
+            </a:r>
+            <a:r>
+              <a:rPr lang="de-CH" b="1" dirty="0">
+                <a:solidFill>
+                  <a:srgbClr val="8080C0"/>
+                </a:solidFill>
+                <a:latin typeface="Courier New" panose="02070309020205020404" pitchFamily="49" charset="0"/>
+              </a:rPr>
+              <a:t> </a:t>
+            </a:r>
+            <a:r>
+              <a:rPr lang="de-CH" b="1" dirty="0" err="1">
+                <a:solidFill>
+                  <a:srgbClr val="8080C0"/>
+                </a:solidFill>
+                <a:latin typeface="Courier New" panose="02070309020205020404" pitchFamily="49" charset="0"/>
+              </a:rPr>
+              <a:t>display</a:t>
+            </a:r>
+            <a:r>
+              <a:rPr lang="de-CH" b="1" dirty="0">
+                <a:solidFill>
+                  <a:srgbClr val="000000"/>
+                </a:solidFill>
+                <a:latin typeface="Courier New" panose="02070309020205020404" pitchFamily="49" charset="0"/>
+              </a:rPr>
+              <a:t>: block;</a:t>
+            </a:r>
+            <a:r>
+              <a:rPr lang="de-CH" b="1" dirty="0">
+                <a:solidFill>
+                  <a:srgbClr val="8080C0"/>
+                </a:solidFill>
+                <a:latin typeface="Courier New" panose="02070309020205020404" pitchFamily="49" charset="0"/>
+              </a:rPr>
+              <a:t> </a:t>
+            </a:r>
+            <a:r>
+              <a:rPr lang="de-CH" b="1" dirty="0">
+                <a:solidFill>
+                  <a:srgbClr val="000000"/>
+                </a:solidFill>
+                <a:latin typeface="Courier New" panose="02070309020205020404" pitchFamily="49" charset="0"/>
+              </a:rPr>
+              <a:t>}</a:t>
+            </a:r>
+            <a:endParaRPr lang="de-CH" dirty="0">
+              <a:effectLst/>
+            </a:endParaRPr>
+          </a:p>
+        </p:txBody>
+      </p:sp>
+      <p:sp>
+        <p:nvSpPr>
+          <p:cNvPr id="5" name="Rechteck 4"/>
+          <p:cNvSpPr/>
+          <p:nvPr/>
+        </p:nvSpPr>
+        <p:spPr>
+          <a:xfrm>
+            <a:off x="6553200" y="1943100"/>
+            <a:ext cx="4286250" cy="4267200"/>
+          </a:xfrm>
+          <a:prstGeom prst="rect">
+            <a:avLst/>
+          </a:prstGeom>
+          <a:effectLst>
+            <a:outerShdw blurRad="50800" dist="38100" dir="2700000" algn="tl" rotWithShape="0">
+              <a:prstClr val="black">
+                <a:alpha val="40000"/>
+              </a:prstClr>
+            </a:outerShdw>
+          </a:effectLst>
+        </p:spPr>
+        <p:style>
+          <a:lnRef idx="2">
+            <a:schemeClr val="accent1">
+              <a:shade val="50000"/>
+            </a:schemeClr>
+          </a:lnRef>
+          <a:fillRef idx="1">
+            <a:schemeClr val="accent1"/>
+          </a:fillRef>
+          <a:effectRef idx="0">
+            <a:schemeClr val="accent1"/>
+          </a:effectRef>
+          <a:fontRef idx="minor">
+            <a:schemeClr val="lt1"/>
+          </a:fontRef>
+        </p:style>
+        <p:txBody>
+          <a:bodyPr rtlCol="0" anchor="t" anchorCtr="0"/>
+          <a:lstStyle/>
+          <a:p>
+            <a:r>
+              <a:rPr lang="de-CH" dirty="0" err="1" smtClean="0"/>
+              <a:t>body</a:t>
+            </a:r>
+            <a:endParaRPr lang="de-CH" dirty="0"/>
+          </a:p>
+        </p:txBody>
+      </p:sp>
+      <p:sp>
+        <p:nvSpPr>
+          <p:cNvPr id="6" name="Rechteck 5"/>
+          <p:cNvSpPr/>
+          <p:nvPr/>
+        </p:nvSpPr>
+        <p:spPr>
+          <a:xfrm>
+            <a:off x="6783859" y="2483708"/>
+            <a:ext cx="1223319" cy="704335"/>
+          </a:xfrm>
+          <a:prstGeom prst="rect">
+            <a:avLst/>
+          </a:prstGeom>
+        </p:spPr>
+        <p:style>
+          <a:lnRef idx="0">
+            <a:schemeClr val="accent2"/>
+          </a:lnRef>
+          <a:fillRef idx="3">
+            <a:schemeClr val="accent2"/>
+          </a:fillRef>
+          <a:effectRef idx="3">
+            <a:schemeClr val="accent2"/>
+          </a:effectRef>
+          <a:fontRef idx="minor">
+            <a:schemeClr val="lt1"/>
+          </a:fontRef>
+        </p:style>
+        <p:txBody>
+          <a:bodyPr rtlCol="0" anchor="ctr"/>
+          <a:lstStyle/>
+          <a:p>
+            <a:pPr algn="ctr"/>
+            <a:r>
+              <a:rPr lang="de-CH" dirty="0" smtClean="0"/>
+              <a:t>div 1</a:t>
+            </a:r>
+            <a:endParaRPr lang="de-CH" dirty="0"/>
+          </a:p>
+        </p:txBody>
+      </p:sp>
+      <p:sp>
+        <p:nvSpPr>
+          <p:cNvPr id="7" name="Rechteck 6"/>
+          <p:cNvSpPr/>
+          <p:nvPr/>
+        </p:nvSpPr>
+        <p:spPr>
+          <a:xfrm>
+            <a:off x="6783859" y="3393783"/>
+            <a:ext cx="1223319" cy="704335"/>
+          </a:xfrm>
+          <a:prstGeom prst="rect">
+            <a:avLst/>
+          </a:prstGeom>
+        </p:spPr>
+        <p:style>
+          <a:lnRef idx="0">
+            <a:schemeClr val="accent2"/>
+          </a:lnRef>
+          <a:fillRef idx="3">
+            <a:schemeClr val="accent2"/>
+          </a:fillRef>
+          <a:effectRef idx="3">
+            <a:schemeClr val="accent2"/>
+          </a:effectRef>
+          <a:fontRef idx="minor">
+            <a:schemeClr val="lt1"/>
+          </a:fontRef>
+        </p:style>
+        <p:txBody>
+          <a:bodyPr rtlCol="0" anchor="ctr"/>
+          <a:lstStyle/>
+          <a:p>
+            <a:pPr algn="ctr"/>
+            <a:r>
+              <a:rPr lang="de-CH" dirty="0" smtClean="0"/>
+              <a:t>div 2</a:t>
+            </a:r>
+            <a:endParaRPr lang="de-CH" dirty="0"/>
+          </a:p>
+        </p:txBody>
+      </p:sp>
+      <p:sp>
+        <p:nvSpPr>
+          <p:cNvPr id="8" name="Rechteck 7"/>
+          <p:cNvSpPr/>
+          <p:nvPr/>
+        </p:nvSpPr>
+        <p:spPr>
+          <a:xfrm>
+            <a:off x="1082434" y="3913452"/>
+            <a:ext cx="4177747" cy="369332"/>
+          </a:xfrm>
+          <a:prstGeom prst="rect">
+            <a:avLst/>
+          </a:prstGeom>
+        </p:spPr>
+        <p:txBody>
+          <a:bodyPr wrap="none">
+            <a:spAutoFit/>
+          </a:bodyPr>
+          <a:lstStyle/>
+          <a:p>
+            <a:r>
+              <a:rPr lang="de-CH" dirty="0">
+                <a:solidFill>
+                  <a:srgbClr val="0000FF"/>
+                </a:solidFill>
+                <a:latin typeface="Batang" panose="02030600000101010101" pitchFamily="18" charset="-127"/>
+                <a:ea typeface="Batang" panose="02030600000101010101" pitchFamily="18" charset="-127"/>
+              </a:rPr>
+              <a:t>div </a:t>
+            </a:r>
+            <a:r>
+              <a:rPr lang="de-CH" b="1" dirty="0">
+                <a:solidFill>
+                  <a:srgbClr val="000000"/>
+                </a:solidFill>
+                <a:latin typeface="Courier New" panose="02070309020205020404" pitchFamily="49" charset="0"/>
+              </a:rPr>
+              <a:t>{</a:t>
+            </a:r>
+            <a:r>
+              <a:rPr lang="de-CH" b="1" dirty="0">
+                <a:solidFill>
+                  <a:srgbClr val="8080C0"/>
+                </a:solidFill>
+                <a:latin typeface="Courier New" panose="02070309020205020404" pitchFamily="49" charset="0"/>
+              </a:rPr>
+              <a:t> </a:t>
+            </a:r>
+            <a:r>
+              <a:rPr lang="de-CH" b="1" dirty="0" err="1">
+                <a:solidFill>
+                  <a:srgbClr val="8080C0"/>
+                </a:solidFill>
+                <a:latin typeface="Courier New" panose="02070309020205020404" pitchFamily="49" charset="0"/>
+              </a:rPr>
+              <a:t>display</a:t>
+            </a:r>
+            <a:r>
+              <a:rPr lang="de-CH" b="1" dirty="0">
+                <a:solidFill>
+                  <a:srgbClr val="000000"/>
+                </a:solidFill>
+                <a:latin typeface="Courier New" panose="02070309020205020404" pitchFamily="49" charset="0"/>
+              </a:rPr>
+              <a:t>: inline-block;</a:t>
+            </a:r>
+            <a:r>
+              <a:rPr lang="de-CH" b="1" dirty="0">
+                <a:solidFill>
+                  <a:srgbClr val="8080C0"/>
+                </a:solidFill>
+                <a:latin typeface="Courier New" panose="02070309020205020404" pitchFamily="49" charset="0"/>
+              </a:rPr>
+              <a:t> </a:t>
+            </a:r>
+            <a:r>
+              <a:rPr lang="de-CH" b="1" dirty="0">
+                <a:solidFill>
+                  <a:srgbClr val="000000"/>
+                </a:solidFill>
+                <a:latin typeface="Courier New" panose="02070309020205020404" pitchFamily="49" charset="0"/>
+              </a:rPr>
+              <a:t>}</a:t>
+            </a:r>
+            <a:endParaRPr lang="de-CH" dirty="0">
+              <a:effectLst/>
+            </a:endParaRPr>
+          </a:p>
+        </p:txBody>
+      </p:sp>
+    </p:spTree>
+    <p:extLst>
+      <p:ext uri="{BB962C8B-B14F-4D97-AF65-F5344CB8AC3E}">
+        <p14:creationId xmlns:p14="http://schemas.microsoft.com/office/powerpoint/2010/main" val="2713068344"/>
+      </p:ext>
+    </p:extLst>
+  </p:cSld>
+  <p:clrMapOvr>
+    <a:masterClrMapping/>
+  </p:clrMapOvr>
+  <p:timing>
+    <p:tnLst>
+      <p:par>
+        <p:cTn id="1" dur="indefinite" restart="never" nodeType="tmRoot">
+          <p:childTnLst>
+            <p:seq concurrent="1" nextAc="seek">
+              <p:cTn id="2" dur="indefinite" nodeType="mainSeq">
+                <p:childTnLst>
+                  <p:par>
+                    <p:cTn id="3" fill="hold">
+                      <p:stCondLst>
+                        <p:cond delay="indefinite"/>
+                      </p:stCondLst>
+                      <p:childTnLst>
+                        <p:par>
+                          <p:cTn id="4" fill="hold">
+                            <p:stCondLst>
+                              <p:cond delay="0"/>
+                            </p:stCondLst>
+                            <p:childTnLst>
+                              <p:par>
+                                <p:cTn id="5" presetID="1" presetClass="entr" presetSubtype="0" fill="hold" grpId="0" nodeType="clickEffect">
+                                  <p:stCondLst>
+                                    <p:cond delay="0"/>
+                                  </p:stCondLst>
+                                  <p:childTnLst>
+                                    <p:set>
+                                      <p:cBhvr>
+                                        <p:cTn id="6" dur="1" fill="hold">
+                                          <p:stCondLst>
+                                            <p:cond delay="0"/>
+                                          </p:stCondLst>
+                                        </p:cTn>
+                                        <p:tgtEl>
+                                          <p:spTgt spid="8"/>
+                                        </p:tgtEl>
+                                        <p:attrNameLst>
+                                          <p:attrName>style.visibility</p:attrName>
+                                        </p:attrNameLst>
+                                      </p:cBhvr>
+                                      <p:to>
+                                        <p:strVal val="visible"/>
+                                      </p:to>
+                                    </p:set>
+                                  </p:childTnLst>
+                                </p:cTn>
+                              </p:par>
+                            </p:childTnLst>
+                          </p:cTn>
+                        </p:par>
+                      </p:childTnLst>
+                    </p:cTn>
+                  </p:par>
+                  <p:par>
+                    <p:cTn id="7" fill="hold">
+                      <p:stCondLst>
+                        <p:cond delay="indefinite"/>
+                      </p:stCondLst>
+                      <p:childTnLst>
+                        <p:par>
+                          <p:cTn id="8" fill="hold">
+                            <p:stCondLst>
+                              <p:cond delay="0"/>
+                            </p:stCondLst>
+                            <p:childTnLst>
+                              <p:par>
+                                <p:cTn id="9" presetID="43" presetClass="path" presetSubtype="0" accel="50000" decel="50000" fill="hold" grpId="0" nodeType="clickEffect">
+                                  <p:stCondLst>
+                                    <p:cond delay="0"/>
+                                  </p:stCondLst>
+                                  <p:childTnLst>
+                                    <p:animMotion origin="layout" path="M -4.16667E-7 -4.81481E-6 L 0.05586 -4.81481E-6 C 0.08099 -4.81481E-6 0.11211 -0.03657 0.11211 -0.06597 L 0.11211 -0.13171 " pathEditMode="relative" rAng="0" ptsTypes="AAAA">
+                                      <p:cBhvr>
+                                        <p:cTn id="10" dur="2000" fill="hold"/>
+                                        <p:tgtEl>
+                                          <p:spTgt spid="7"/>
+                                        </p:tgtEl>
+                                        <p:attrNameLst>
+                                          <p:attrName>ppt_x</p:attrName>
+                                          <p:attrName>ppt_y</p:attrName>
+                                        </p:attrNameLst>
+                                      </p:cBhvr>
+                                      <p:rCtr x="5599" y="-6597"/>
+                                    </p:animMotion>
+                                  </p:childTnLst>
+                                </p:cTn>
+                              </p:par>
+                            </p:childTnLst>
+                          </p:cTn>
+                        </p:par>
+                      </p:childTnLst>
+                    </p:cTn>
+                  </p:par>
+                </p:childTnLst>
+              </p:cTn>
+              <p:prevCondLst>
+                <p:cond evt="onPrev" delay="0">
+                  <p:tgtEl>
+                    <p:sldTgt/>
+                  </p:tgtEl>
+                </p:cond>
+              </p:prevCondLst>
+              <p:nextCondLst>
+                <p:cond evt="onNext" delay="0">
+                  <p:tgtEl>
+                    <p:sldTgt/>
+                  </p:tgtEl>
+                </p:cond>
+              </p:nextCondLst>
+            </p:seq>
+          </p:childTnLst>
+        </p:cTn>
+      </p:par>
+    </p:tnLst>
+    <p:bldLst>
+      <p:bldP spid="7" grpId="0" animBg="1"/>
+      <p:bldP spid="8" grpId="0"/>
+    </p:bldLst>
+  </p:timing>
+</p:sld>
+</file>
+
+<file path=ppt/slides/slide25.xml><?xml version="1.0" encoding="utf-8"?>
+<p:sld xmlns:a="http://schemas.openxmlformats.org/drawingml/2006/main" xmlns:r="http://schemas.openxmlformats.org/officeDocument/2006/relationships" xmlns:p="http://schemas.openxmlformats.org/presentationml/2006/main">
+  <p:cSld>
+    <p:spTree>
+      <p:nvGrpSpPr>
+        <p:cNvPr id="1" name=""/>
+        <p:cNvGrpSpPr/>
+        <p:nvPr/>
+      </p:nvGrpSpPr>
+      <p:grpSpPr>
+        <a:xfrm>
+          <a:off x="0" y="0"/>
+          <a:ext cx="0" cy="0"/>
+          <a:chOff x="0" y="0"/>
+          <a:chExt cx="0" cy="0"/>
+        </a:xfrm>
+      </p:grpSpPr>
+      <p:sp>
+        <p:nvSpPr>
+          <p:cNvPr id="2" name="Titel 1"/>
+          <p:cNvSpPr>
+            <a:spLocks noGrp="1"/>
+          </p:cNvSpPr>
+          <p:nvPr>
+            <p:ph type="title"/>
+          </p:nvPr>
+        </p:nvSpPr>
+        <p:spPr/>
+        <p:txBody>
+          <a:bodyPr/>
+          <a:lstStyle/>
+          <a:p>
+            <a:r>
+              <a:rPr lang="de-CH" dirty="0" smtClean="0"/>
               <a:t>Hintergrund</a:t>
             </a:r>
             <a:endParaRPr lang="de-CH" dirty="0"/>
@@ -16130,7 +17345,7 @@
 </p:sld>
 </file>
 
-<file path=ppt/slides/slide25.xml><?xml version="1.0" encoding="utf-8"?>
+<file path=ppt/slides/slide26.xml><?xml version="1.0" encoding="utf-8"?>
 <p:sld xmlns:a="http://schemas.openxmlformats.org/drawingml/2006/main" xmlns:r="http://schemas.openxmlformats.org/officeDocument/2006/relationships" xmlns:p="http://schemas.openxmlformats.org/presentationml/2006/main">
   <p:cSld>
     <p:spTree>
@@ -16659,7 +17874,7 @@
 </p:sld>
 </file>
 
-<file path=ppt/slides/slide26.xml><?xml version="1.0" encoding="utf-8"?>
+<file path=ppt/slides/slide27.xml><?xml version="1.0" encoding="utf-8"?>
 <p:sld xmlns:a="http://schemas.openxmlformats.org/drawingml/2006/main" xmlns:r="http://schemas.openxmlformats.org/officeDocument/2006/relationships" xmlns:p="http://schemas.openxmlformats.org/presentationml/2006/main">
   <p:cSld>
     <p:spTree>
@@ -21684,26 +22899,6 @@
 </file>
 
 <file path=customXml/item1.xml><?xml version="1.0" encoding="utf-8"?>
-<?mso-contentType ?>
-<FormTemplates xmlns="http://schemas.microsoft.com/sharepoint/v3/contenttype/forms">
-  <Display>DocumentLibraryForm</Display>
-  <Edit>DocumentLibraryForm</Edit>
-  <New>DocumentLibraryForm</New>
-</FormTemplates>
-</file>
-
-<file path=customXml/item2.xml><?xml version="1.0" encoding="utf-8"?>
-<p:properties xmlns:p="http://schemas.microsoft.com/office/2006/metadata/properties" xmlns:xsi="http://www.w3.org/2001/XMLSchema-instance" xmlns:pc="http://schemas.microsoft.com/office/infopath/2007/PartnerControls">
-  <documentManagement>
-    <DocumentType xmlns="B52DB2DB-4C79-421A-B3B5-7B3E39903FAF">Presentation</DocumentType>
-    <Tags xmlns="B52DB2DB-4C79-421A-B3B5-7B3E39903FAF"/>
-    <PublishingExpirationDate xmlns="http://schemas.microsoft.com/sharepoint/v3" xsi:nil="true"/>
-    <PublishingStartDate xmlns="http://schemas.microsoft.com/sharepoint/v3" xsi:nil="true"/>
-  </documentManagement>
-</p:properties>
-</file>
-
-<file path=customXml/item3.xml><?xml version="1.0" encoding="utf-8"?>
 <ct:contentTypeSchema xmlns:ct="http://schemas.microsoft.com/office/2006/metadata/contentType" xmlns:ma="http://schemas.microsoft.com/office/2006/metadata/properties/metaAttributes" ct:_="" ma:_="" ma:contentTypeName="Document" ma:contentTypeID="0x0101007FB88A3DE5BCC14A89FCFBE463D1D90E" ma:contentTypeVersion="1" ma:contentTypeDescription="Create a new document." ma:contentTypeScope="" ma:versionID="4d8f9a178a16463aae8556ecaad61169">
   <xsd:schema xmlns:xsd="http://www.w3.org/2001/XMLSchema" xmlns:xs="http://www.w3.org/2001/XMLSchema" xmlns:p="http://schemas.microsoft.com/office/2006/metadata/properties" xmlns:ns1="http://schemas.microsoft.com/sharepoint/v3" xmlns:ns2="B52DB2DB-4C79-421A-B3B5-7B3E39903FAF" targetNamespace="http://schemas.microsoft.com/office/2006/metadata/properties" ma:root="true" ma:fieldsID="17524f4cb64685990c7a62925d0c2ba3" ns1:_="" ns2:_="">
     <xsd:import namespace="http://schemas.microsoft.com/sharepoint/v3"/>
@@ -21885,10 +23080,41 @@
 </ct:contentTypeSchema>
 </file>
 
+<file path=customXml/item2.xml><?xml version="1.0" encoding="utf-8"?>
+<p:properties xmlns:p="http://schemas.microsoft.com/office/2006/metadata/properties" xmlns:xsi="http://www.w3.org/2001/XMLSchema-instance" xmlns:pc="http://schemas.microsoft.com/office/infopath/2007/PartnerControls">
+  <documentManagement>
+    <DocumentType xmlns="B52DB2DB-4C79-421A-B3B5-7B3E39903FAF">Presentation</DocumentType>
+    <Tags xmlns="B52DB2DB-4C79-421A-B3B5-7B3E39903FAF"/>
+    <PublishingExpirationDate xmlns="http://schemas.microsoft.com/sharepoint/v3" xsi:nil="true"/>
+    <PublishingStartDate xmlns="http://schemas.microsoft.com/sharepoint/v3" xsi:nil="true"/>
+  </documentManagement>
+</p:properties>
+</file>
+
+<file path=customXml/item3.xml><?xml version="1.0" encoding="utf-8"?>
+<?mso-contentType ?>
+<FormTemplates xmlns="http://schemas.microsoft.com/sharepoint/v3/contenttype/forms">
+  <Display>DocumentLibraryForm</Display>
+  <Edit>DocumentLibraryForm</Edit>
+  <New>DocumentLibraryForm</New>
+</FormTemplates>
+</file>
+
 <file path=customXml/itemProps1.xml><?xml version="1.0" encoding="utf-8"?>
-<ds:datastoreItem xmlns:ds="http://schemas.openxmlformats.org/officeDocument/2006/customXml" ds:itemID="{D408D27A-406B-4DDA-8F91-4CEE5D91D750}">
+<ds:datastoreItem xmlns:ds="http://schemas.openxmlformats.org/officeDocument/2006/customXml" ds:itemID="{F5F1F8D9-8E62-4460-ABC9-6E0C6A11ABB7}">
   <ds:schemaRefs>
-    <ds:schemaRef ds:uri="http://schemas.microsoft.com/sharepoint/v3/contenttype/forms"/>
+    <ds:schemaRef ds:uri="http://schemas.microsoft.com/office/2006/metadata/contentType"/>
+    <ds:schemaRef ds:uri="http://schemas.microsoft.com/office/2006/metadata/properties/metaAttributes"/>
+    <ds:schemaRef ds:uri="http://www.w3.org/2001/XMLSchema"/>
+    <ds:schemaRef ds:uri="http://schemas.microsoft.com/office/2006/metadata/properties"/>
+    <ds:schemaRef ds:uri="http://schemas.microsoft.com/sharepoint/v3"/>
+    <ds:schemaRef ds:uri="B52DB2DB-4C79-421A-B3B5-7B3E39903FAF"/>
+    <ds:schemaRef ds:uri="http://schemas.microsoft.com/office/2006/documentManagement/types"/>
+    <ds:schemaRef ds:uri="http://schemas.microsoft.com/office/infopath/2007/PartnerControls"/>
+    <ds:schemaRef ds:uri="http://schemas.openxmlformats.org/package/2006/metadata/core-properties"/>
+    <ds:schemaRef ds:uri="http://purl.org/dc/elements/1.1/"/>
+    <ds:schemaRef ds:uri="http://purl.org/dc/terms/"/>
+    <ds:schemaRef ds:uri="http://schemas.microsoft.com/internal/obd"/>
   </ds:schemaRefs>
 </ds:datastoreItem>
 </file>
@@ -21911,20 +23137,9 @@
 </file>
 
 <file path=customXml/itemProps3.xml><?xml version="1.0" encoding="utf-8"?>
-<ds:datastoreItem xmlns:ds="http://schemas.openxmlformats.org/officeDocument/2006/customXml" ds:itemID="{F5F1F8D9-8E62-4460-ABC9-6E0C6A11ABB7}">
+<ds:datastoreItem xmlns:ds="http://schemas.openxmlformats.org/officeDocument/2006/customXml" ds:itemID="{D408D27A-406B-4DDA-8F91-4CEE5D91D750}">
   <ds:schemaRefs>
-    <ds:schemaRef ds:uri="http://schemas.microsoft.com/office/2006/metadata/contentType"/>
-    <ds:schemaRef ds:uri="http://schemas.microsoft.com/office/2006/metadata/properties/metaAttributes"/>
-    <ds:schemaRef ds:uri="http://www.w3.org/2001/XMLSchema"/>
-    <ds:schemaRef ds:uri="http://schemas.microsoft.com/office/2006/metadata/properties"/>
-    <ds:schemaRef ds:uri="http://schemas.microsoft.com/sharepoint/v3"/>
-    <ds:schemaRef ds:uri="B52DB2DB-4C79-421A-B3B5-7B3E39903FAF"/>
-    <ds:schemaRef ds:uri="http://schemas.microsoft.com/office/2006/documentManagement/types"/>
-    <ds:schemaRef ds:uri="http://schemas.microsoft.com/office/infopath/2007/PartnerControls"/>
-    <ds:schemaRef ds:uri="http://schemas.openxmlformats.org/package/2006/metadata/core-properties"/>
-    <ds:schemaRef ds:uri="http://purl.org/dc/elements/1.1/"/>
-    <ds:schemaRef ds:uri="http://purl.org/dc/terms/"/>
-    <ds:schemaRef ds:uri="http://schemas.microsoft.com/internal/obd"/>
+    <ds:schemaRef ds:uri="http://schemas.microsoft.com/sharepoint/v3/contenttype/forms"/>
   </ds:schemaRefs>
 </ds:datastoreItem>
 </file>